--- a/hw/final/答辩/第二题.pptx
+++ b/hw/final/答辩/第二题.pptx
@@ -6106,10 +6106,10 @@
         </p:nvGrpSpPr>
         <p:grpSpPr>
           <a:xfrm>
-            <a:off x="6835239" y="5059598"/>
-            <a:ext cx="4293680" cy="1552818"/>
+            <a:off x="6835239" y="4686218"/>
+            <a:ext cx="4903280" cy="874638"/>
             <a:chOff x="6835239" y="4662723"/>
-            <a:chExt cx="4293680" cy="1552818"/>
+            <a:chExt cx="4903280" cy="874638"/>
           </a:xfrm>
         </p:grpSpPr>
         <p:sp>
@@ -6176,7 +6176,7 @@
           <p:spPr>
             <a:xfrm>
               <a:off x="7694839" y="4662723"/>
-              <a:ext cx="1407160" cy="600075"/>
+              <a:ext cx="1713230" cy="600075"/>
             </a:xfrm>
             <a:prstGeom prst="rect">
               <a:avLst/>
@@ -6204,7 +6204,7 @@
                   <a:cs typeface="+mn-ea"/>
                   <a:sym typeface="思源黑体 CN Normal" panose="020B0400000000000000" pitchFamily="34" charset="-122"/>
                 </a:rPr>
-                <a:t>硬件支持</a:t>
+                <a:t>文档与答辩</a:t>
               </a:r>
               <a:endParaRPr lang="zh-CN" altLang="en-US" sz="2400" b="1" dirty="0">
                 <a:solidFill>
@@ -6227,7 +6227,7 @@
           <p:spPr>
             <a:xfrm>
               <a:off x="7694839" y="5106831"/>
-              <a:ext cx="3434080" cy="1108710"/>
+              <a:ext cx="4043680" cy="430530"/>
             </a:xfrm>
             <a:prstGeom prst="rect">
               <a:avLst/>
@@ -6258,75 +6258,7 @@
                   <a:cs typeface="+mn-ea"/>
                   <a:sym typeface="思源黑体 CN Normal" panose="020B0400000000000000" pitchFamily="34" charset="-122"/>
                 </a:rPr>
-                <a:t>实验室拥有高性能本地服务器，同时</a:t>
-              </a:r>
-              <a:endParaRPr lang="zh-CN" altLang="en-US" sz="1600" dirty="0">
-                <a:solidFill>
-                  <a:schemeClr val="tx1">
-                    <a:lumMod val="65000"/>
-                    <a:lumOff val="35000"/>
-                  </a:schemeClr>
-                </a:solidFill>
-                <a:latin typeface="思源黑体 CN Normal" panose="020B0400000000000000" pitchFamily="34" charset="-122"/>
-                <a:ea typeface="思源黑体 CN Normal" panose="020B0400000000000000" pitchFamily="34" charset="-122"/>
-                <a:cs typeface="+mn-ea"/>
-                <a:sym typeface="思源黑体 CN Normal" panose="020B0400000000000000" pitchFamily="34" charset="-122"/>
-              </a:endParaRPr>
-            </a:p>
-            <a:p>
-              <a:pPr algn="l">
-                <a:lnSpc>
-                  <a:spcPct val="138000"/>
-                </a:lnSpc>
-              </a:pPr>
-              <a:r>
-                <a:rPr lang="zh-CN" altLang="en-US" sz="1600" dirty="0">
-                  <a:solidFill>
-                    <a:schemeClr val="tx1">
-                      <a:lumMod val="65000"/>
-                      <a:lumOff val="35000"/>
-                    </a:schemeClr>
-                  </a:solidFill>
-                  <a:latin typeface="思源黑体 CN Normal" panose="020B0400000000000000" pitchFamily="34" charset="-122"/>
-                  <a:ea typeface="思源黑体 CN Normal" panose="020B0400000000000000" pitchFamily="34" charset="-122"/>
-                  <a:cs typeface="+mn-ea"/>
-                  <a:sym typeface="思源黑体 CN Normal" panose="020B0400000000000000" pitchFamily="34" charset="-122"/>
-                </a:rPr>
-                <a:t>长期租用阿里云、腾讯云等云服务器</a:t>
-              </a:r>
-              <a:endParaRPr lang="zh-CN" altLang="en-US" sz="1600" dirty="0">
-                <a:solidFill>
-                  <a:schemeClr val="tx1">
-                    <a:lumMod val="65000"/>
-                    <a:lumOff val="35000"/>
-                  </a:schemeClr>
-                </a:solidFill>
-                <a:latin typeface="思源黑体 CN Normal" panose="020B0400000000000000" pitchFamily="34" charset="-122"/>
-                <a:ea typeface="思源黑体 CN Normal" panose="020B0400000000000000" pitchFamily="34" charset="-122"/>
-                <a:cs typeface="+mn-ea"/>
-                <a:sym typeface="思源黑体 CN Normal" panose="020B0400000000000000" pitchFamily="34" charset="-122"/>
-              </a:endParaRPr>
-            </a:p>
-            <a:p>
-              <a:pPr algn="l">
-                <a:lnSpc>
-                  <a:spcPct val="138000"/>
-                </a:lnSpc>
-              </a:pPr>
-              <a:r>
-                <a:rPr lang="zh-CN" altLang="en-US" sz="1600" dirty="0">
-                  <a:solidFill>
-                    <a:schemeClr val="tx1">
-                      <a:lumMod val="65000"/>
-                      <a:lumOff val="35000"/>
-                    </a:schemeClr>
-                  </a:solidFill>
-                  <a:latin typeface="思源黑体 CN Normal" panose="020B0400000000000000" pitchFamily="34" charset="-122"/>
-                  <a:ea typeface="思源黑体 CN Normal" panose="020B0400000000000000" pitchFamily="34" charset="-122"/>
-                  <a:cs typeface="+mn-ea"/>
-                  <a:sym typeface="思源黑体 CN Normal" panose="020B0400000000000000" pitchFamily="34" charset="-122"/>
-                </a:rPr>
-                <a:t>进行开发调试。</a:t>
+                <a:t>负责成员：何应豪、杨滕超、马威、苏家铭</a:t>
               </a:r>
               <a:endParaRPr lang="zh-CN" altLang="en-US" sz="1600" dirty="0">
                 <a:solidFill>
@@ -6510,330 +6442,6 @@
       </p:grpSp>
       <p:grpSp>
         <p:nvGrpSpPr>
-          <p:cNvPr id="3" name="组合 2"/>
-          <p:cNvGrpSpPr/>
-          <p:nvPr/>
-        </p:nvGrpSpPr>
-        <p:grpSpPr>
-          <a:xfrm>
-            <a:off x="1200939" y="1349017"/>
-            <a:ext cx="5011174" cy="4185776"/>
-            <a:chOff x="1084827" y="1334503"/>
-            <a:chExt cx="5011174" cy="4185776"/>
-          </a:xfrm>
-        </p:grpSpPr>
-        <p:pic>
-          <p:nvPicPr>
-            <p:cNvPr id="20" name="图片 19"/>
-            <p:cNvPicPr>
-              <a:picLocks noChangeAspect="1"/>
-            </p:cNvPicPr>
-            <p:nvPr/>
-          </p:nvPicPr>
-          <p:blipFill>
-            <a:blip r:embed="rId1" cstate="print">
-              <a:extLst>
-                <a:ext uri="{28A0092B-C50C-407E-A947-70E740481C1C}">
-                  <a14:useLocalDpi xmlns:a14="http://schemas.microsoft.com/office/drawing/2010/main" val="0"/>
-                </a:ext>
-              </a:extLst>
-            </a:blip>
-            <a:stretch>
-              <a:fillRect/>
-            </a:stretch>
-          </p:blipFill>
-          <p:spPr>
-            <a:xfrm>
-              <a:off x="3308967" y="1334504"/>
-              <a:ext cx="2787034" cy="4180550"/>
-            </a:xfrm>
-            <a:prstGeom prst="rect">
-              <a:avLst/>
-            </a:prstGeom>
-          </p:spPr>
-        </p:pic>
-        <p:sp>
-          <p:nvSpPr>
-            <p:cNvPr id="26" name="矩形 25"/>
-            <p:cNvSpPr/>
-            <p:nvPr/>
-          </p:nvSpPr>
-          <p:spPr>
-            <a:xfrm>
-              <a:off x="1084827" y="1334503"/>
-              <a:ext cx="2482704" cy="4185776"/>
-            </a:xfrm>
-            <a:prstGeom prst="rect">
-              <a:avLst/>
-            </a:prstGeom>
-            <a:solidFill>
-              <a:srgbClr val="1973A2"/>
-            </a:solidFill>
-            <a:ln>
-              <a:noFill/>
-            </a:ln>
-          </p:spPr>
-          <p:style>
-            <a:lnRef idx="2">
-              <a:schemeClr val="accent1">
-                <a:shade val="50000"/>
-              </a:schemeClr>
-            </a:lnRef>
-            <a:fillRef idx="1">
-              <a:schemeClr val="accent1"/>
-            </a:fillRef>
-            <a:effectRef idx="0">
-              <a:schemeClr val="accent1"/>
-            </a:effectRef>
-            <a:fontRef idx="minor">
-              <a:schemeClr val="lt1"/>
-            </a:fontRef>
-          </p:style>
-          <p:txBody>
-            <a:bodyPr rtlCol="0" anchor="ctr"/>
-            <a:lstStyle/>
-            <a:p>
-              <a:pPr algn="ctr">
-                <a:lnSpc>
-                  <a:spcPct val="138000"/>
-                </a:lnSpc>
-              </a:pPr>
-              <a:endParaRPr lang="zh-CN" altLang="en-US" dirty="0">
-                <a:latin typeface="思源黑体 CN Normal" panose="020B0400000000000000" pitchFamily="34" charset="-122"/>
-                <a:ea typeface="思源黑体 CN Normal" panose="020B0400000000000000" pitchFamily="34" charset="-122"/>
-                <a:cs typeface="+mn-ea"/>
-                <a:sym typeface="思源黑体 CN Normal" panose="020B0400000000000000" pitchFamily="34" charset="-122"/>
-              </a:endParaRPr>
-            </a:p>
-          </p:txBody>
-        </p:sp>
-        <p:sp>
-          <p:nvSpPr>
-            <p:cNvPr id="28" name="文本框 27"/>
-            <p:cNvSpPr txBox="1"/>
-            <p:nvPr/>
-          </p:nvSpPr>
-          <p:spPr>
-            <a:xfrm>
-              <a:off x="1349822" y="3434417"/>
-              <a:ext cx="2129255" cy="769620"/>
-            </a:xfrm>
-            <a:prstGeom prst="rect">
-              <a:avLst/>
-            </a:prstGeom>
-            <a:noFill/>
-          </p:spPr>
-          <p:txBody>
-            <a:bodyPr wrap="square" rtlCol="0">
-              <a:spAutoFit/>
-            </a:bodyPr>
-            <a:lstStyle/>
-            <a:p>
-              <a:pPr>
-                <a:lnSpc>
-                  <a:spcPct val="138000"/>
-                </a:lnSpc>
-              </a:pPr>
-              <a:r>
-                <a:rPr lang="zh-CN" altLang="en-US" sz="1600" dirty="0">
-                  <a:solidFill>
-                    <a:schemeClr val="bg1"/>
-                  </a:solidFill>
-                  <a:latin typeface="思源黑体 CN Normal" panose="020B0400000000000000" pitchFamily="34" charset="-122"/>
-                  <a:ea typeface="思源黑体 CN Normal" panose="020B0400000000000000" pitchFamily="34" charset="-122"/>
-                  <a:cs typeface="+mn-ea"/>
-                  <a:sym typeface="思源黑体 CN Normal" panose="020B0400000000000000" pitchFamily="34" charset="-122"/>
-                </a:rPr>
-                <a:t>团队过去几年在社群APP开发方面投入精力。</a:t>
-              </a:r>
-              <a:endParaRPr lang="en-US" altLang="zh-CN" sz="1600" dirty="0">
-                <a:solidFill>
-                  <a:schemeClr val="bg1"/>
-                </a:solidFill>
-                <a:latin typeface="思源黑体 CN Normal" panose="020B0400000000000000" pitchFamily="34" charset="-122"/>
-                <a:ea typeface="思源黑体 CN Normal" panose="020B0400000000000000" pitchFamily="34" charset="-122"/>
-                <a:cs typeface="+mn-ea"/>
-                <a:sym typeface="思源黑体 CN Normal" panose="020B0400000000000000" pitchFamily="34" charset="-122"/>
-              </a:endParaRPr>
-            </a:p>
-          </p:txBody>
-        </p:sp>
-        <p:grpSp>
-          <p:nvGrpSpPr>
-            <p:cNvPr id="2" name="组合 1"/>
-            <p:cNvGrpSpPr/>
-            <p:nvPr/>
-          </p:nvGrpSpPr>
-          <p:grpSpPr>
-            <a:xfrm>
-              <a:off x="1346848" y="1941481"/>
-              <a:ext cx="1290180" cy="1353423"/>
-              <a:chOff x="1023505" y="2235586"/>
-              <a:chExt cx="1290180" cy="1353423"/>
-            </a:xfrm>
-          </p:grpSpPr>
-          <p:sp>
-            <p:nvSpPr>
-              <p:cNvPr id="27" name="文本框 26"/>
-              <p:cNvSpPr txBox="1"/>
-              <p:nvPr/>
-            </p:nvSpPr>
-            <p:spPr>
-              <a:xfrm>
-                <a:off x="1023505" y="2235586"/>
-                <a:ext cx="1290180" cy="855345"/>
-              </a:xfrm>
-              <a:prstGeom prst="rect">
-                <a:avLst/>
-              </a:prstGeom>
-              <a:noFill/>
-            </p:spPr>
-            <p:txBody>
-              <a:bodyPr wrap="none" rtlCol="0">
-                <a:spAutoFit/>
-              </a:bodyPr>
-              <a:lstStyle/>
-              <a:p>
-                <a:pPr>
-                  <a:lnSpc>
-                    <a:spcPct val="138000"/>
-                  </a:lnSpc>
-                </a:pPr>
-                <a:r>
-                  <a:rPr lang="zh-CN" altLang="en-US" sz="3600" b="1" dirty="0">
-                    <a:solidFill>
-                      <a:schemeClr val="bg1"/>
-                    </a:solidFill>
-                    <a:latin typeface="思源黑体 CN Normal" panose="020B0400000000000000" pitchFamily="34" charset="-122"/>
-                    <a:ea typeface="思源黑体 CN Normal" panose="020B0400000000000000" pitchFamily="34" charset="-122"/>
-                    <a:cs typeface="+mn-ea"/>
-                    <a:sym typeface="思源黑体 CN Normal" panose="020B0400000000000000" pitchFamily="34" charset="-122"/>
-                  </a:rPr>
-                  <a:t>项目支持</a:t>
-                </a:r>
-                <a:endParaRPr lang="zh-CN" altLang="en-US" sz="3600" b="1" dirty="0">
-                  <a:solidFill>
-                    <a:schemeClr val="bg1"/>
-                  </a:solidFill>
-                  <a:latin typeface="思源黑体 CN Normal" panose="020B0400000000000000" pitchFamily="34" charset="-122"/>
-                  <a:ea typeface="思源黑体 CN Normal" panose="020B0400000000000000" pitchFamily="34" charset="-122"/>
-                  <a:cs typeface="+mn-ea"/>
-                  <a:sym typeface="思源黑体 CN Normal" panose="020B0400000000000000" pitchFamily="34" charset="-122"/>
-                </a:endParaRPr>
-              </a:p>
-            </p:txBody>
-          </p:sp>
-          <p:sp>
-            <p:nvSpPr>
-              <p:cNvPr id="33" name="文本框 32"/>
-              <p:cNvSpPr txBox="1"/>
-              <p:nvPr/>
-            </p:nvSpPr>
-            <p:spPr>
-              <a:xfrm>
-                <a:off x="1040179" y="3022755"/>
-                <a:ext cx="995680" cy="430530"/>
-              </a:xfrm>
-              <a:prstGeom prst="rect">
-                <a:avLst/>
-              </a:prstGeom>
-              <a:noFill/>
-            </p:spPr>
-            <p:txBody>
-              <a:bodyPr wrap="none" rtlCol="0">
-                <a:spAutoFit/>
-              </a:bodyPr>
-              <a:lstStyle/>
-              <a:p>
-                <a:pPr>
-                  <a:lnSpc>
-                    <a:spcPct val="138000"/>
-                  </a:lnSpc>
-                </a:pPr>
-                <a:r>
-                  <a:rPr lang="en-US" altLang="zh-CN" sz="1600" dirty="0">
-                    <a:solidFill>
-                      <a:schemeClr val="bg1"/>
-                    </a:solidFill>
-                    <a:latin typeface="思源黑体 CN Normal" panose="020B0400000000000000" pitchFamily="34" charset="-122"/>
-                    <a:ea typeface="思源黑体 CN Normal" panose="020B0400000000000000" pitchFamily="34" charset="-122"/>
-                    <a:cs typeface="+mn-ea"/>
-                    <a:sym typeface="思源黑体 CN Normal" panose="020B0400000000000000" pitchFamily="34" charset="-122"/>
-                  </a:rPr>
-                  <a:t>Supoort </a:t>
-                </a:r>
-                <a:endParaRPr lang="zh-CN" altLang="en-US" sz="1600" dirty="0">
-                  <a:solidFill>
-                    <a:schemeClr val="bg1"/>
-                  </a:solidFill>
-                  <a:latin typeface="思源黑体 CN Normal" panose="020B0400000000000000" pitchFamily="34" charset="-122"/>
-                  <a:ea typeface="思源黑体 CN Normal" panose="020B0400000000000000" pitchFamily="34" charset="-122"/>
-                  <a:cs typeface="+mn-ea"/>
-                  <a:sym typeface="思源黑体 CN Normal" panose="020B0400000000000000" pitchFamily="34" charset="-122"/>
-                </a:endParaRPr>
-              </a:p>
-            </p:txBody>
-          </p:sp>
-          <p:sp>
-            <p:nvSpPr>
-              <p:cNvPr id="34" name="矩形: 圆角 33"/>
-              <p:cNvSpPr/>
-              <p:nvPr/>
-            </p:nvSpPr>
-            <p:spPr>
-              <a:xfrm>
-                <a:off x="1132915" y="3493389"/>
-                <a:ext cx="601547" cy="95620"/>
-              </a:xfrm>
-              <a:prstGeom prst="roundRect">
-                <a:avLst>
-                  <a:gd name="adj" fmla="val 50000"/>
-                </a:avLst>
-              </a:prstGeom>
-              <a:solidFill>
-                <a:schemeClr val="bg1"/>
-              </a:solidFill>
-              <a:ln>
-                <a:noFill/>
-              </a:ln>
-            </p:spPr>
-            <p:style>
-              <a:lnRef idx="2">
-                <a:schemeClr val="accent1">
-                  <a:shade val="50000"/>
-                </a:schemeClr>
-              </a:lnRef>
-              <a:fillRef idx="1">
-                <a:schemeClr val="accent1"/>
-              </a:fillRef>
-              <a:effectRef idx="0">
-                <a:schemeClr val="accent1"/>
-              </a:effectRef>
-              <a:fontRef idx="minor">
-                <a:schemeClr val="lt1"/>
-              </a:fontRef>
-            </p:style>
-            <p:txBody>
-              <a:bodyPr rtlCol="0" anchor="ctr"/>
-              <a:lstStyle/>
-              <a:p>
-                <a:pPr algn="ctr">
-                  <a:lnSpc>
-                    <a:spcPct val="138000"/>
-                  </a:lnSpc>
-                </a:pPr>
-                <a:endParaRPr lang="zh-CN" altLang="en-US">
-                  <a:latin typeface="思源黑体 CN Normal" panose="020B0400000000000000" pitchFamily="34" charset="-122"/>
-                  <a:ea typeface="思源黑体 CN Normal" panose="020B0400000000000000" pitchFamily="34" charset="-122"/>
-                  <a:sym typeface="思源黑体 CN Normal" panose="020B0400000000000000" pitchFamily="34" charset="-122"/>
-                </a:endParaRPr>
-              </a:p>
-            </p:txBody>
-          </p:sp>
-        </p:grpSp>
-      </p:grpSp>
-      <p:grpSp>
-        <p:nvGrpSpPr>
           <p:cNvPr id="4" name="组合 3"/>
           <p:cNvGrpSpPr/>
           <p:nvPr/>
@@ -6938,7 +6546,7 @@
                   <a:cs typeface="+mn-ea"/>
                   <a:sym typeface="思源黑体 CN Normal" panose="020B0400000000000000" pitchFamily="34" charset="-122"/>
                 </a:rPr>
-                <a:t>创新项目</a:t>
+                <a:t>回归模型</a:t>
               </a:r>
               <a:endParaRPr lang="zh-CN" altLang="en-US" sz="2400" b="1" dirty="0">
                 <a:solidFill>
@@ -6992,9 +6600,9 @@
                   <a:cs typeface="+mn-ea"/>
                   <a:sym typeface="思源黑体 CN Normal" panose="020B0400000000000000" pitchFamily="34" charset="-122"/>
                 </a:rPr>
-                <a:t>三届大学生创新创业项目</a:t>
+                <a:t>负责成员：杨滕超、马威</a:t>
               </a:r>
-              <a:endParaRPr lang="en-US" altLang="zh-CN" sz="1600" dirty="0">
+              <a:endParaRPr lang="zh-CN" altLang="en-US" sz="1600" dirty="0">
                 <a:solidFill>
                   <a:schemeClr val="tx1">
                     <a:lumMod val="65000"/>
@@ -7183,9 +6791,9 @@
         <p:grpSpPr>
           <a:xfrm>
             <a:off x="6835239" y="2366127"/>
-            <a:ext cx="4090480" cy="874638"/>
+            <a:ext cx="3277680" cy="874638"/>
             <a:chOff x="6835239" y="2366127"/>
-            <a:chExt cx="4090480" cy="874638"/>
+            <a:chExt cx="3277680" cy="874638"/>
           </a:xfrm>
         </p:grpSpPr>
         <p:sp>
@@ -7252,9 +6860,9 @@
           <p:grpSpPr>
             <a:xfrm>
               <a:off x="6990024" y="2366127"/>
-              <a:ext cx="3935695" cy="874638"/>
+              <a:ext cx="3122895" cy="874638"/>
               <a:chOff x="6990024" y="2366127"/>
-              <a:chExt cx="3935695" cy="874638"/>
+              <a:chExt cx="3122895" cy="874638"/>
             </a:xfrm>
           </p:grpSpPr>
           <p:sp>
@@ -7294,7 +6902,7 @@
                     <a:cs typeface="+mn-ea"/>
                     <a:sym typeface="思源黑体 CN Normal" panose="020B0400000000000000" pitchFamily="34" charset="-122"/>
                   </a:rPr>
-                  <a:t>毕业设计</a:t>
+                  <a:t>分类模型</a:t>
                 </a:r>
                 <a:endParaRPr lang="zh-CN" altLang="en-US" sz="2400" b="1" dirty="0">
                   <a:solidFill>
@@ -7317,7 +6925,7 @@
             <p:spPr>
               <a:xfrm>
                 <a:off x="7694839" y="2810235"/>
-                <a:ext cx="3230880" cy="430530"/>
+                <a:ext cx="2418080" cy="430530"/>
               </a:xfrm>
               <a:prstGeom prst="rect">
                 <a:avLst/>
@@ -7348,9 +6956,9 @@
                     <a:cs typeface="+mn-ea"/>
                     <a:sym typeface="思源黑体 CN Normal" panose="020B0400000000000000" pitchFamily="34" charset="-122"/>
                   </a:rPr>
-                  <a:t>若干名研究生，本科毕业设计题目</a:t>
+                  <a:t>负责成员：马威、苏家铭</a:t>
                 </a:r>
-                <a:endParaRPr lang="en-US" altLang="zh-CN" sz="1600" dirty="0">
+                <a:endParaRPr lang="zh-CN" altLang="en-US" sz="1600" dirty="0">
                   <a:solidFill>
                     <a:schemeClr val="tx1">
                       <a:lumMod val="65000"/>
@@ -7637,7 +7245,7 @@
                   <a:cs typeface="+mn-ea"/>
                   <a:sym typeface="思源黑体 CN Normal" panose="020B0400000000000000" pitchFamily="34" charset="-122"/>
                 </a:rPr>
-                <a:t>理论基础</a:t>
+                <a:t>时序模型</a:t>
               </a:r>
               <a:endParaRPr lang="zh-CN" altLang="en-US" sz="2400" b="1" dirty="0">
                 <a:solidFill>
@@ -7691,77 +7299,9 @@
                   <a:cs typeface="+mn-ea"/>
                   <a:sym typeface="思源黑体 CN Normal" panose="020B0400000000000000" pitchFamily="34" charset="-122"/>
                 </a:rPr>
-                <a:t>在手机端APP开发、服务器端基于Java的服务器</a:t>
+                <a:t>负责成员：何应豪、苏家铭</a:t>
               </a:r>
               <a:endParaRPr lang="zh-CN" altLang="en-US" sz="1600" dirty="0">
-                <a:solidFill>
-                  <a:schemeClr val="tx1">
-                    <a:lumMod val="65000"/>
-                    <a:lumOff val="35000"/>
-                  </a:schemeClr>
-                </a:solidFill>
-                <a:latin typeface="思源黑体 CN Normal" panose="020B0400000000000000" pitchFamily="34" charset="-122"/>
-                <a:ea typeface="思源黑体 CN Normal" panose="020B0400000000000000" pitchFamily="34" charset="-122"/>
-                <a:cs typeface="+mn-ea"/>
-                <a:sym typeface="思源黑体 CN Normal" panose="020B0400000000000000" pitchFamily="34" charset="-122"/>
-              </a:endParaRPr>
-            </a:p>
-            <a:p>
-              <a:pPr algn="l">
-                <a:lnSpc>
-                  <a:spcPct val="138000"/>
-                </a:lnSpc>
-              </a:pPr>
-              <a:r>
-                <a:rPr lang="zh-CN" altLang="en-US" sz="1600" dirty="0">
-                  <a:solidFill>
-                    <a:schemeClr val="tx1">
-                      <a:lumMod val="65000"/>
-                      <a:lumOff val="35000"/>
-                    </a:schemeClr>
-                  </a:solidFill>
-                  <a:latin typeface="思源黑体 CN Normal" panose="020B0400000000000000" pitchFamily="34" charset="-122"/>
-                  <a:ea typeface="思源黑体 CN Normal" panose="020B0400000000000000" pitchFamily="34" charset="-122"/>
-                  <a:cs typeface="+mn-ea"/>
-                  <a:sym typeface="思源黑体 CN Normal" panose="020B0400000000000000" pitchFamily="34" charset="-122"/>
-                </a:rPr>
-                <a:t>程序开发、数据库开发应用、人工智能推荐算法</a:t>
-              </a:r>
-              <a:endParaRPr lang="zh-CN" altLang="en-US" sz="1600" dirty="0">
-                <a:solidFill>
-                  <a:schemeClr val="tx1">
-                    <a:lumMod val="65000"/>
-                    <a:lumOff val="35000"/>
-                  </a:schemeClr>
-                </a:solidFill>
-                <a:latin typeface="思源黑体 CN Normal" panose="020B0400000000000000" pitchFamily="34" charset="-122"/>
-                <a:ea typeface="思源黑体 CN Normal" panose="020B0400000000000000" pitchFamily="34" charset="-122"/>
-                <a:cs typeface="+mn-ea"/>
-                <a:sym typeface="思源黑体 CN Normal" panose="020B0400000000000000" pitchFamily="34" charset="-122"/>
-              </a:endParaRPr>
-            </a:p>
-            <a:p>
-              <a:pPr algn="l">
-                <a:lnSpc>
-                  <a:spcPct val="138000"/>
-                </a:lnSpc>
-              </a:pPr>
-              <a:r>
-                <a:rPr lang="zh-CN" altLang="en-US" sz="1600" dirty="0">
-                  <a:solidFill>
-                    <a:schemeClr val="tx1">
-                      <a:lumMod val="65000"/>
-                      <a:lumOff val="35000"/>
-                    </a:schemeClr>
-                  </a:solidFill>
-                  <a:latin typeface="思源黑体 CN Normal" panose="020B0400000000000000" pitchFamily="34" charset="-122"/>
-                  <a:ea typeface="思源黑体 CN Normal" panose="020B0400000000000000" pitchFamily="34" charset="-122"/>
-                  <a:cs typeface="+mn-ea"/>
-                  <a:sym typeface="思源黑体 CN Normal" panose="020B0400000000000000" pitchFamily="34" charset="-122"/>
-                </a:rPr>
-                <a:t>等方面有丰富的前期基础。</a:t>
-              </a:r>
-              <a:endParaRPr lang="en-US" altLang="zh-CN" sz="1600" dirty="0">
                 <a:solidFill>
                   <a:schemeClr val="tx1">
                     <a:lumMod val="65000"/>
@@ -7950,7 +7490,7 @@
           <p:nvPr/>
         </p:nvPicPr>
         <p:blipFill>
-          <a:blip r:embed="rId2" cstate="print">
+          <a:blip r:embed="rId1" cstate="print">
             <a:extLst>
               <a:ext uri="{28A0092B-C50C-407E-A947-70E740481C1C}">
                 <a14:useLocalDpi xmlns:a14="http://schemas.microsoft.com/office/drawing/2010/main" val="0"/>
@@ -7965,6 +7505,62 @@
           <a:xfrm>
             <a:off x="11089086" y="306729"/>
             <a:ext cx="798118" cy="798118"/>
+          </a:xfrm>
+          <a:prstGeom prst="rect">
+            <a:avLst/>
+          </a:prstGeom>
+        </p:spPr>
+      </p:pic>
+      <p:pic>
+        <p:nvPicPr>
+          <p:cNvPr id="10" name="图片 9"/>
+          <p:cNvPicPr>
+            <a:picLocks noChangeAspect="1"/>
+          </p:cNvPicPr>
+          <p:nvPr>
+            <p:custDataLst>
+              <p:tags r:id="rId2"/>
+            </p:custDataLst>
+          </p:nvPr>
+        </p:nvPicPr>
+        <p:blipFill>
+          <a:blip r:embed="rId3"/>
+          <a:stretch>
+            <a:fillRect/>
+          </a:stretch>
+        </p:blipFill>
+        <p:spPr>
+          <a:xfrm>
+            <a:off x="632460" y="113030"/>
+            <a:ext cx="2548255" cy="6443980"/>
+          </a:xfrm>
+          <a:prstGeom prst="rect">
+            <a:avLst/>
+          </a:prstGeom>
+        </p:spPr>
+      </p:pic>
+      <p:pic>
+        <p:nvPicPr>
+          <p:cNvPr id="11" name="图片 10"/>
+          <p:cNvPicPr>
+            <a:picLocks noChangeAspect="1"/>
+          </p:cNvPicPr>
+          <p:nvPr>
+            <p:custDataLst>
+              <p:tags r:id="rId4"/>
+            </p:custDataLst>
+          </p:nvPr>
+        </p:nvPicPr>
+        <p:blipFill>
+          <a:blip r:embed="rId5"/>
+          <a:stretch>
+            <a:fillRect/>
+          </a:stretch>
+        </p:blipFill>
+        <p:spPr>
+          <a:xfrm>
+            <a:off x="3180715" y="113030"/>
+            <a:ext cx="2555240" cy="6443345"/>
           </a:xfrm>
           <a:prstGeom prst="rect">
             <a:avLst/>
@@ -14456,6 +14052,18 @@
 
 <file path=ppt/tags/tag40.xml><?xml version="1.0" encoding="utf-8"?>
 <p:tagLst xmlns:p="http://schemas.openxmlformats.org/presentationml/2006/main">
+  <p:tag name="KSO_WM_BEAUTIFY_FLAG" val=""/>
+</p:tagLst>
+</file>
+
+<file path=ppt/tags/tag41.xml><?xml version="1.0" encoding="utf-8"?>
+<p:tagLst xmlns:p="http://schemas.openxmlformats.org/presentationml/2006/main">
+  <p:tag name="KSO_WM_BEAUTIFY_FLAG" val=""/>
+</p:tagLst>
+</file>
+
+<file path=ppt/tags/tag42.xml><?xml version="1.0" encoding="utf-8"?>
+<p:tagLst xmlns:p="http://schemas.openxmlformats.org/presentationml/2006/main">
   <p:tag name="KSO_WPP_MARK_KEY" val="be01addc-e425-460c-ac9b-d601267bbec1"/>
   <p:tag name="COMMONDATA" val="eyJoZGlkIjoiNGU1NDE0OTEzMGZlNGI2OTgwYTZjMTc0ODUxODcxYmIifQ=="/>
 </p:tagLst>

--- a/hw/final/答辩/第二题.pptx
+++ b/hw/final/答辩/第二题.pptx
@@ -5,29 +5,28 @@
     <p:sldMasterId id="2147483648" r:id="rId1"/>
   </p:sldMasterIdLst>
   <p:notesMasterIdLst>
-    <p:notesMasterId r:id="rId18"/>
+    <p:notesMasterId r:id="rId17"/>
   </p:notesMasterIdLst>
   <p:sldIdLst>
     <p:sldId id="256" r:id="rId3"/>
     <p:sldId id="796" r:id="rId4"/>
     <p:sldId id="815" r:id="rId5"/>
-    <p:sldId id="426" r:id="rId6"/>
-    <p:sldId id="826" r:id="rId7"/>
-    <p:sldId id="827" r:id="rId8"/>
-    <p:sldId id="828" r:id="rId9"/>
-    <p:sldId id="829" r:id="rId10"/>
-    <p:sldId id="830" r:id="rId11"/>
-    <p:sldId id="831" r:id="rId12"/>
-    <p:sldId id="832" r:id="rId13"/>
-    <p:sldId id="833" r:id="rId14"/>
-    <p:sldId id="261" r:id="rId15"/>
-    <p:sldId id="788" r:id="rId16"/>
-    <p:sldId id="257" r:id="rId17"/>
+    <p:sldId id="826" r:id="rId6"/>
+    <p:sldId id="827" r:id="rId7"/>
+    <p:sldId id="828" r:id="rId8"/>
+    <p:sldId id="829" r:id="rId9"/>
+    <p:sldId id="830" r:id="rId10"/>
+    <p:sldId id="831" r:id="rId11"/>
+    <p:sldId id="832" r:id="rId12"/>
+    <p:sldId id="833" r:id="rId13"/>
+    <p:sldId id="261" r:id="rId14"/>
+    <p:sldId id="788" r:id="rId15"/>
+    <p:sldId id="257" r:id="rId16"/>
   </p:sldIdLst>
   <p:sldSz cx="12192000" cy="6858000"/>
   <p:notesSz cx="6858000" cy="9144000"/>
   <p:custDataLst>
-    <p:tags r:id="rId22"/>
+    <p:tags r:id="rId21"/>
   </p:custDataLst>
   <p:defaultTextStyle>
     <a:defPPr>
@@ -4638,318 +4637,6 @@
                   <a:cs typeface="+mn-ea"/>
                   <a:sym typeface="思源黑体 CN Normal" panose="020B0400000000000000" pitchFamily="34" charset="-122"/>
                 </a:rPr>
-                <a:t>主要分析</a:t>
-              </a:r>
-              <a:endParaRPr lang="zh-CN" altLang="en-US" sz="3200" b="1" dirty="0">
-                <a:solidFill>
-                  <a:srgbClr val="1974A2"/>
-                </a:solidFill>
-                <a:latin typeface="思源黑体 CN Normal" panose="020B0400000000000000" pitchFamily="34" charset="-122"/>
-                <a:ea typeface="思源黑体 CN Normal" panose="020B0400000000000000" pitchFamily="34" charset="-122"/>
-                <a:cs typeface="+mn-ea"/>
-                <a:sym typeface="思源黑体 CN Normal" panose="020B0400000000000000" pitchFamily="34" charset="-122"/>
-              </a:endParaRPr>
-            </a:p>
-          </p:txBody>
-        </p:sp>
-        <p:sp>
-          <p:nvSpPr>
-            <p:cNvPr id="39" name="矩形: 圆角 38"/>
-            <p:cNvSpPr/>
-            <p:nvPr/>
-          </p:nvSpPr>
-          <p:spPr>
-            <a:xfrm rot="5400000">
-              <a:off x="582708" y="409369"/>
-              <a:ext cx="1080483" cy="95504"/>
-            </a:xfrm>
-            <a:prstGeom prst="roundRect">
-              <a:avLst>
-                <a:gd name="adj" fmla="val 50000"/>
-              </a:avLst>
-            </a:prstGeom>
-            <a:solidFill>
-              <a:srgbClr val="7FCFED"/>
-            </a:solidFill>
-            <a:ln>
-              <a:noFill/>
-            </a:ln>
-          </p:spPr>
-          <p:style>
-            <a:lnRef idx="2">
-              <a:schemeClr val="accent1">
-                <a:shade val="50000"/>
-              </a:schemeClr>
-            </a:lnRef>
-            <a:fillRef idx="1">
-              <a:schemeClr val="accent1"/>
-            </a:fillRef>
-            <a:effectRef idx="0">
-              <a:schemeClr val="accent1"/>
-            </a:effectRef>
-            <a:fontRef idx="minor">
-              <a:schemeClr val="lt1"/>
-            </a:fontRef>
-          </p:style>
-          <p:txBody>
-            <a:bodyPr rtlCol="0" anchor="ctr"/>
-            <a:lstStyle/>
-            <a:p>
-              <a:pPr algn="ctr">
-                <a:lnSpc>
-                  <a:spcPct val="138000"/>
-                </a:lnSpc>
-              </a:pPr>
-              <a:endParaRPr lang="zh-CN" altLang="en-US">
-                <a:latin typeface="思源黑体 CN Normal" panose="020B0400000000000000" pitchFamily="34" charset="-122"/>
-                <a:ea typeface="思源黑体 CN Normal" panose="020B0400000000000000" pitchFamily="34" charset="-122"/>
-                <a:sym typeface="思源黑体 CN Normal" panose="020B0400000000000000" pitchFamily="34" charset="-122"/>
-              </a:endParaRPr>
-            </a:p>
-          </p:txBody>
-        </p:sp>
-      </p:grpSp>
-      <p:pic>
-        <p:nvPicPr>
-          <p:cNvPr id="30" name="图片 29"/>
-          <p:cNvPicPr>
-            <a:picLocks noChangeAspect="1"/>
-          </p:cNvPicPr>
-          <p:nvPr/>
-        </p:nvPicPr>
-        <p:blipFill>
-          <a:blip r:embed="rId1" cstate="print">
-            <a:extLst>
-              <a:ext uri="{28A0092B-C50C-407E-A947-70E740481C1C}">
-                <a14:useLocalDpi xmlns:a14="http://schemas.microsoft.com/office/drawing/2010/main" val="0"/>
-              </a:ext>
-            </a:extLst>
-          </a:blip>
-          <a:stretch>
-            <a:fillRect/>
-          </a:stretch>
-        </p:blipFill>
-        <p:spPr>
-          <a:xfrm>
-            <a:off x="11089086" y="306729"/>
-            <a:ext cx="798118" cy="798118"/>
-          </a:xfrm>
-          <a:prstGeom prst="rect">
-            <a:avLst/>
-          </a:prstGeom>
-        </p:spPr>
-      </p:pic>
-      <p:pic>
-        <p:nvPicPr>
-          <p:cNvPr id="2" name="图片 1"/>
-          <p:cNvPicPr>
-            <a:picLocks noChangeAspect="1"/>
-          </p:cNvPicPr>
-          <p:nvPr>
-            <p:custDataLst>
-              <p:tags r:id="rId2"/>
-            </p:custDataLst>
-          </p:nvPr>
-        </p:nvPicPr>
-        <p:blipFill>
-          <a:blip r:embed="rId3"/>
-          <a:stretch>
-            <a:fillRect/>
-          </a:stretch>
-        </p:blipFill>
-        <p:spPr>
-          <a:xfrm>
-            <a:off x="1045845" y="1831340"/>
-            <a:ext cx="6243955" cy="1891030"/>
-          </a:xfrm>
-          <a:prstGeom prst="rect">
-            <a:avLst/>
-          </a:prstGeom>
-        </p:spPr>
-      </p:pic>
-      <p:sp>
-        <p:nvSpPr>
-          <p:cNvPr id="3" name="文本框 2"/>
-          <p:cNvSpPr txBox="1"/>
-          <p:nvPr/>
-        </p:nvSpPr>
-        <p:spPr>
-          <a:xfrm>
-            <a:off x="929005" y="1559560"/>
-            <a:ext cx="3524250" cy="368300"/>
-          </a:xfrm>
-          <a:prstGeom prst="rect">
-            <a:avLst/>
-          </a:prstGeom>
-          <a:noFill/>
-        </p:spPr>
-        <p:txBody>
-          <a:bodyPr wrap="square" rtlCol="0">
-            <a:spAutoFit/>
-          </a:bodyPr>
-          <a:p>
-            <a:r>
-              <a:rPr lang="zh-CN" altLang="en-US"/>
-              <a:t>模型评估：</a:t>
-            </a:r>
-            <a:endParaRPr lang="zh-CN" altLang="en-US"/>
-          </a:p>
-        </p:txBody>
-      </p:sp>
-      <p:pic>
-        <p:nvPicPr>
-          <p:cNvPr id="4" name="图片 3"/>
-          <p:cNvPicPr>
-            <a:picLocks noChangeAspect="1"/>
-          </p:cNvPicPr>
-          <p:nvPr>
-            <p:custDataLst>
-              <p:tags r:id="rId4"/>
-            </p:custDataLst>
-          </p:nvPr>
-        </p:nvPicPr>
-        <p:blipFill>
-          <a:blip r:embed="rId5"/>
-          <a:stretch>
-            <a:fillRect/>
-          </a:stretch>
-        </p:blipFill>
-        <p:spPr>
-          <a:xfrm>
-            <a:off x="1022350" y="3689985"/>
-            <a:ext cx="6235065" cy="224155"/>
-          </a:xfrm>
-          <a:prstGeom prst="rect">
-            <a:avLst/>
-          </a:prstGeom>
-        </p:spPr>
-      </p:pic>
-      <p:pic>
-        <p:nvPicPr>
-          <p:cNvPr id="5" name="图片 4"/>
-          <p:cNvPicPr>
-            <a:picLocks noChangeAspect="1"/>
-          </p:cNvPicPr>
-          <p:nvPr>
-            <p:custDataLst>
-              <p:tags r:id="rId6"/>
-            </p:custDataLst>
-          </p:nvPr>
-        </p:nvPicPr>
-        <p:blipFill>
-          <a:blip r:embed="rId7"/>
-          <a:stretch>
-            <a:fillRect/>
-          </a:stretch>
-        </p:blipFill>
-        <p:spPr>
-          <a:xfrm>
-            <a:off x="6824345" y="1831340"/>
-            <a:ext cx="5140325" cy="3441065"/>
-          </a:xfrm>
-          <a:prstGeom prst="rect">
-            <a:avLst/>
-          </a:prstGeom>
-        </p:spPr>
-      </p:pic>
-    </p:spTree>
-    <p:custDataLst>
-      <p:tags r:id="rId8"/>
-    </p:custDataLst>
-  </p:cSld>
-  <p:clrMapOvr>
-    <a:masterClrMapping/>
-  </p:clrMapOvr>
-  <mc:AlternateContent xmlns:mc="http://schemas.openxmlformats.org/markup-compatibility/2006" xmlns:p159="http://schemas.microsoft.com/office/powerpoint/2015/09/main">
-    <mc:Choice Requires="p159">
-      <p:transition xmlns:p14="http://schemas.microsoft.com/office/powerpoint/2010/main" spd="slow" p14:dur="2000" advTm="3000">
-        <p159:morph option="byObject"/>
-      </p:transition>
-    </mc:Choice>
-    <mc:Fallback>
-      <p:transition spd="slow" advTm="3000">
-        <p:fade/>
-      </p:transition>
-    </mc:Fallback>
-  </mc:AlternateContent>
-  <p:timing>
-    <p:tnLst>
-      <p:par>
-        <p:cTn id="1" dur="indefinite" restart="never" nodeType="tmRoot"/>
-      </p:par>
-    </p:tnLst>
-  </p:timing>
-</p:sld>
-</file>
-
-<file path=ppt/slides/slide11.xml><?xml version="1.0" encoding="utf-8"?>
-<p:sld xmlns:a="http://schemas.openxmlformats.org/drawingml/2006/main" xmlns:r="http://schemas.openxmlformats.org/officeDocument/2006/relationships" xmlns:p="http://schemas.openxmlformats.org/presentationml/2006/main">
-  <p:cSld>
-    <p:spTree>
-      <p:nvGrpSpPr>
-        <p:cNvPr id="1" name=""/>
-        <p:cNvGrpSpPr/>
-        <p:nvPr/>
-      </p:nvGrpSpPr>
-      <p:grpSpPr>
-        <a:xfrm>
-          <a:off x="0" y="0"/>
-          <a:ext cx="0" cy="0"/>
-          <a:chOff x="0" y="0"/>
-          <a:chExt cx="0" cy="0"/>
-        </a:xfrm>
-      </p:grpSpPr>
-      <p:grpSp>
-        <p:nvGrpSpPr>
-          <p:cNvPr id="37" name="组合 36"/>
-          <p:cNvGrpSpPr/>
-          <p:nvPr/>
-        </p:nvGrpSpPr>
-        <p:grpSpPr>
-          <a:xfrm rot="0">
-            <a:off x="806451" y="770890"/>
-            <a:ext cx="3094355" cy="747395"/>
-            <a:chOff x="1075198" y="-320491"/>
-            <a:chExt cx="2411363" cy="1317853"/>
-          </a:xfrm>
-        </p:grpSpPr>
-        <p:sp>
-          <p:nvSpPr>
-            <p:cNvPr id="41" name="文本框 40"/>
-            <p:cNvSpPr txBox="1"/>
-            <p:nvPr/>
-          </p:nvSpPr>
-          <p:spPr>
-            <a:xfrm>
-              <a:off x="1261753" y="-320491"/>
-              <a:ext cx="2224808" cy="1317853"/>
-            </a:xfrm>
-            <a:prstGeom prst="rect">
-              <a:avLst/>
-            </a:prstGeom>
-            <a:noFill/>
-          </p:spPr>
-          <p:txBody>
-            <a:bodyPr wrap="square" rtlCol="0">
-              <a:noAutofit/>
-            </a:bodyPr>
-            <a:lstStyle/>
-            <a:p>
-              <a:pPr>
-                <a:lnSpc>
-                  <a:spcPct val="138000"/>
-                </a:lnSpc>
-              </a:pPr>
-              <a:r>
-                <a:rPr lang="zh-CN" altLang="en-US" sz="3200" b="1" dirty="0">
-                  <a:solidFill>
-                    <a:srgbClr val="1974A2"/>
-                  </a:solidFill>
-                  <a:latin typeface="思源黑体 CN Normal" panose="020B0400000000000000" pitchFamily="34" charset="-122"/>
-                  <a:ea typeface="思源黑体 CN Normal" panose="020B0400000000000000" pitchFamily="34" charset="-122"/>
-                  <a:cs typeface="+mn-ea"/>
-                  <a:sym typeface="思源黑体 CN Normal" panose="020B0400000000000000" pitchFamily="34" charset="-122"/>
-                </a:rPr>
                 <a:t>分析结果解读</a:t>
               </a:r>
               <a:endParaRPr lang="zh-CN" altLang="en-US" sz="3200" b="1" dirty="0">
@@ -5318,7 +5005,7 @@
 </p:sld>
 </file>
 
-<file path=ppt/slides/slide12.xml><?xml version="1.0" encoding="utf-8"?>
+<file path=ppt/slides/slide11.xml><?xml version="1.0" encoding="utf-8"?>
 <p:sld xmlns:a="http://schemas.openxmlformats.org/drawingml/2006/main" xmlns:r="http://schemas.openxmlformats.org/officeDocument/2006/relationships" xmlns:p="http://schemas.openxmlformats.org/presentationml/2006/main">
   <p:cSld>
     <p:spTree>
@@ -5619,7 +5306,7 @@
 </p:sld>
 </file>
 
-<file path=ppt/slides/slide13.xml><?xml version="1.0" encoding="utf-8"?>
+<file path=ppt/slides/slide12.xml><?xml version="1.0" encoding="utf-8"?>
 <p:sld xmlns:a="http://schemas.openxmlformats.org/drawingml/2006/main" xmlns:r="http://schemas.openxmlformats.org/officeDocument/2006/relationships" xmlns:p="http://schemas.openxmlformats.org/presentationml/2006/main">
   <p:cSld>
     <p:spTree>
@@ -6081,7 +5768,7 @@
 </p:sld>
 </file>
 
-<file path=ppt/slides/slide14.xml><?xml version="1.0" encoding="utf-8"?>
+<file path=ppt/slides/slide13.xml><?xml version="1.0" encoding="utf-8"?>
 <p:sld xmlns:a="http://schemas.openxmlformats.org/drawingml/2006/main" xmlns:r="http://schemas.openxmlformats.org/officeDocument/2006/relationships" xmlns:p="http://schemas.openxmlformats.org/presentationml/2006/main">
   <p:cSld>
     <p:spTree>
@@ -7594,7 +7281,7 @@
 </p:sld>
 </file>
 
-<file path=ppt/slides/slide15.xml><?xml version="1.0" encoding="utf-8"?>
+<file path=ppt/slides/slide14.xml><?xml version="1.0" encoding="utf-8"?>
 <p:sld xmlns:a="http://schemas.openxmlformats.org/drawingml/2006/main" xmlns:r="http://schemas.openxmlformats.org/officeDocument/2006/relationships" xmlns:p="http://schemas.openxmlformats.org/presentationml/2006/main">
   <p:cSld>
     <p:spTree>
@@ -10846,1212 +10533,6 @@
       </p:grpSpPr>
       <p:grpSp>
         <p:nvGrpSpPr>
-          <p:cNvPr id="3" name="组合 2"/>
-          <p:cNvGrpSpPr/>
-          <p:nvPr/>
-        </p:nvGrpSpPr>
-        <p:grpSpPr>
-          <a:xfrm>
-            <a:off x="4837883" y="1395293"/>
-            <a:ext cx="7127280" cy="5401041"/>
-            <a:chOff x="4837883" y="1395293"/>
-            <a:chExt cx="7127280" cy="5401041"/>
-          </a:xfrm>
-        </p:grpSpPr>
-        <p:pic>
-          <p:nvPicPr>
-            <p:cNvPr id="4" name="图片 3"/>
-            <p:cNvPicPr>
-              <a:picLocks noChangeAspect="1"/>
-            </p:cNvPicPr>
-            <p:nvPr/>
-          </p:nvPicPr>
-          <p:blipFill>
-            <a:blip r:embed="rId1">
-              <a:extLst>
-                <a:ext uri="{28A0092B-C50C-407E-A947-70E740481C1C}">
-                  <a14:useLocalDpi xmlns:a14="http://schemas.microsoft.com/office/drawing/2010/main" val="0"/>
-                </a:ext>
-              </a:extLst>
-            </a:blip>
-            <a:stretch>
-              <a:fillRect/>
-            </a:stretch>
-          </p:blipFill>
-          <p:spPr>
-            <a:xfrm>
-              <a:off x="4837959" y="1395293"/>
-              <a:ext cx="7127204" cy="2725496"/>
-            </a:xfrm>
-            <a:prstGeom prst="rect">
-              <a:avLst/>
-            </a:prstGeom>
-          </p:spPr>
-        </p:pic>
-        <p:sp>
-          <p:nvSpPr>
-            <p:cNvPr id="48" name="文本框 47"/>
-            <p:cNvSpPr txBox="1"/>
-            <p:nvPr/>
-          </p:nvSpPr>
-          <p:spPr>
-            <a:xfrm>
-              <a:off x="5463993" y="4846389"/>
-              <a:ext cx="1906270" cy="1575435"/>
-            </a:xfrm>
-            <a:prstGeom prst="rect">
-              <a:avLst/>
-            </a:prstGeom>
-            <a:noFill/>
-          </p:spPr>
-          <p:txBody>
-            <a:bodyPr wrap="square" rtlCol="0">
-              <a:spAutoFit/>
-            </a:bodyPr>
-            <a:lstStyle/>
-            <a:p>
-              <a:pPr>
-                <a:lnSpc>
-                  <a:spcPct val="138000"/>
-                </a:lnSpc>
-              </a:pPr>
-              <a:r>
-                <a:rPr lang="zh-CN" altLang="en-US" sz="1400" dirty="0">
-                  <a:solidFill>
-                    <a:schemeClr val="tx1">
-                      <a:lumMod val="65000"/>
-                      <a:lumOff val="35000"/>
-                    </a:schemeClr>
-                  </a:solidFill>
-                  <a:effectLst/>
-                  <a:latin typeface="思源黑体 CN Normal" panose="020B0400000000000000" pitchFamily="34" charset="-122"/>
-                  <a:ea typeface="思源黑体 CN Normal" panose="020B0400000000000000" pitchFamily="34" charset="-122"/>
-                  <a:cs typeface="+mn-ea"/>
-                  <a:sym typeface="思源黑体 CN Normal" panose="020B0400000000000000" pitchFamily="34" charset="-122"/>
-                </a:rPr>
-                <a:t>现阶段网络社群的发展仍处于初期阶段，运营模式尚未成熟，相关技术也有待进一步探索。</a:t>
-              </a:r>
-              <a:endParaRPr lang="zh-CN" altLang="en-US" sz="1400" dirty="0">
-                <a:solidFill>
-                  <a:schemeClr val="tx1">
-                    <a:lumMod val="65000"/>
-                    <a:lumOff val="35000"/>
-                  </a:schemeClr>
-                </a:solidFill>
-                <a:effectLst/>
-                <a:latin typeface="思源黑体 CN Normal" panose="020B0400000000000000" pitchFamily="34" charset="-122"/>
-                <a:ea typeface="思源黑体 CN Normal" panose="020B0400000000000000" pitchFamily="34" charset="-122"/>
-                <a:cs typeface="+mn-ea"/>
-                <a:sym typeface="思源黑体 CN Normal" panose="020B0400000000000000" pitchFamily="34" charset="-122"/>
-              </a:endParaRPr>
-            </a:p>
-          </p:txBody>
-        </p:sp>
-        <p:sp>
-          <p:nvSpPr>
-            <p:cNvPr id="58" name="文本框 57"/>
-            <p:cNvSpPr txBox="1"/>
-            <p:nvPr/>
-          </p:nvSpPr>
-          <p:spPr>
-            <a:xfrm>
-              <a:off x="7865346" y="4923719"/>
-              <a:ext cx="1906270" cy="1872615"/>
-            </a:xfrm>
-            <a:prstGeom prst="rect">
-              <a:avLst/>
-            </a:prstGeom>
-            <a:noFill/>
-          </p:spPr>
-          <p:txBody>
-            <a:bodyPr wrap="square" rtlCol="0">
-              <a:spAutoFit/>
-            </a:bodyPr>
-            <a:lstStyle/>
-            <a:p>
-              <a:pPr>
-                <a:lnSpc>
-                  <a:spcPct val="138000"/>
-                </a:lnSpc>
-              </a:pPr>
-              <a:r>
-                <a:rPr lang="zh-CN" altLang="en-US" sz="1400" dirty="0">
-                  <a:solidFill>
-                    <a:schemeClr val="tx1">
-                      <a:lumMod val="65000"/>
-                      <a:lumOff val="35000"/>
-                    </a:schemeClr>
-                  </a:solidFill>
-                  <a:effectLst/>
-                  <a:latin typeface="思源黑体 CN Normal" panose="020B0400000000000000" pitchFamily="34" charset="-122"/>
-                  <a:ea typeface="思源黑体 CN Normal" panose="020B0400000000000000" pitchFamily="34" charset="-122"/>
-                  <a:cs typeface="+mn-ea"/>
-                  <a:sym typeface="思源黑体 CN Normal" panose="020B0400000000000000" pitchFamily="34" charset="-122"/>
-                </a:rPr>
-                <a:t>各类平台建构和维系网络社群的方法仅限于活动推荐和分享，市场上仍缺乏一种融合社交属性和社区属性的组团类社区软件。</a:t>
-              </a:r>
-              <a:endParaRPr lang="zh-CN" altLang="en-US" sz="1400" dirty="0">
-                <a:solidFill>
-                  <a:schemeClr val="tx1">
-                    <a:lumMod val="65000"/>
-                    <a:lumOff val="35000"/>
-                  </a:schemeClr>
-                </a:solidFill>
-                <a:effectLst/>
-                <a:latin typeface="思源黑体 CN Normal" panose="020B0400000000000000" pitchFamily="34" charset="-122"/>
-                <a:ea typeface="思源黑体 CN Normal" panose="020B0400000000000000" pitchFamily="34" charset="-122"/>
-                <a:cs typeface="+mn-ea"/>
-                <a:sym typeface="思源黑体 CN Normal" panose="020B0400000000000000" pitchFamily="34" charset="-122"/>
-              </a:endParaRPr>
-            </a:p>
-          </p:txBody>
-        </p:sp>
-        <p:grpSp>
-          <p:nvGrpSpPr>
-            <p:cNvPr id="52" name="组合 51"/>
-            <p:cNvGrpSpPr/>
-            <p:nvPr/>
-          </p:nvGrpSpPr>
-          <p:grpSpPr>
-            <a:xfrm>
-              <a:off x="4837883" y="4550339"/>
-              <a:ext cx="702310" cy="702310"/>
-              <a:chOff x="732367" y="3729590"/>
-              <a:chExt cx="702310" cy="702310"/>
-            </a:xfrm>
-          </p:grpSpPr>
-          <p:sp>
-            <p:nvSpPr>
-              <p:cNvPr id="53" name="椭圆 52"/>
-              <p:cNvSpPr/>
-              <p:nvPr/>
-            </p:nvSpPr>
-            <p:spPr>
-              <a:xfrm>
-                <a:off x="732367" y="3729590"/>
-                <a:ext cx="702310" cy="702310"/>
-              </a:xfrm>
-              <a:prstGeom prst="ellipse">
-                <a:avLst/>
-              </a:prstGeom>
-              <a:solidFill>
-                <a:srgbClr val="1974A2"/>
-              </a:solidFill>
-              <a:ln>
-                <a:noFill/>
-              </a:ln>
-              <a:effectLst/>
-            </p:spPr>
-            <p:style>
-              <a:lnRef idx="2">
-                <a:schemeClr val="accent1">
-                  <a:shade val="50000"/>
-                </a:schemeClr>
-              </a:lnRef>
-              <a:fillRef idx="1">
-                <a:schemeClr val="accent1"/>
-              </a:fillRef>
-              <a:effectRef idx="0">
-                <a:schemeClr val="accent1"/>
-              </a:effectRef>
-              <a:fontRef idx="minor">
-                <a:schemeClr val="lt1"/>
-              </a:fontRef>
-            </p:style>
-            <p:txBody>
-              <a:bodyPr wrap="none" rtlCol="0" anchor="ctr"/>
-              <a:lstStyle/>
-              <a:p>
-                <a:pPr algn="ctr">
-                  <a:lnSpc>
-                    <a:spcPct val="138000"/>
-                  </a:lnSpc>
-                </a:pPr>
-                <a:endParaRPr lang="zh-CN" altLang="en-US" sz="3200" b="1" dirty="0">
-                  <a:solidFill>
-                    <a:schemeClr val="bg1"/>
-                  </a:solidFill>
-                  <a:effectLst/>
-                  <a:latin typeface="思源黑体 CN Normal" panose="020B0400000000000000" pitchFamily="34" charset="-122"/>
-                  <a:ea typeface="思源黑体 CN Normal" panose="020B0400000000000000" pitchFamily="34" charset="-122"/>
-                  <a:cs typeface="+mn-ea"/>
-                  <a:sym typeface="思源黑体 CN Normal" panose="020B0400000000000000" pitchFamily="34" charset="-122"/>
-                </a:endParaRPr>
-              </a:p>
-            </p:txBody>
-          </p:sp>
-          <p:sp>
-            <p:nvSpPr>
-              <p:cNvPr id="56" name="矩形 55"/>
-              <p:cNvSpPr/>
-              <p:nvPr/>
-            </p:nvSpPr>
-            <p:spPr>
-              <a:xfrm>
-                <a:off x="873368" y="3803205"/>
-                <a:ext cx="420308" cy="584775"/>
-              </a:xfrm>
-              <a:prstGeom prst="rect">
-                <a:avLst/>
-              </a:prstGeom>
-            </p:spPr>
-            <p:txBody>
-              <a:bodyPr wrap="none">
-                <a:spAutoFit/>
-              </a:bodyPr>
-              <a:lstStyle/>
-              <a:p>
-                <a:r>
-                  <a:rPr lang="en-US" altLang="zh-CN" sz="3200" b="1" dirty="0">
-                    <a:solidFill>
-                      <a:schemeClr val="bg1"/>
-                    </a:solidFill>
-                    <a:latin typeface="思源黑体 CN Normal" panose="020B0400000000000000" pitchFamily="34" charset="-122"/>
-                    <a:ea typeface="思源黑体 CN Normal" panose="020B0400000000000000" pitchFamily="34" charset="-122"/>
-                    <a:cs typeface="+mn-ea"/>
-                    <a:sym typeface="思源黑体 CN Normal" panose="020B0400000000000000" pitchFamily="34" charset="-122"/>
-                  </a:rPr>
-                  <a:t>1</a:t>
-                </a:r>
-                <a:endParaRPr lang="zh-CN" altLang="en-US" sz="3200" dirty="0"/>
-              </a:p>
-            </p:txBody>
-          </p:sp>
-        </p:grpSp>
-        <p:grpSp>
-          <p:nvGrpSpPr>
-            <p:cNvPr id="60" name="组合 59"/>
-            <p:cNvGrpSpPr/>
-            <p:nvPr/>
-          </p:nvGrpSpPr>
-          <p:grpSpPr>
-            <a:xfrm>
-              <a:off x="7162525" y="4550339"/>
-              <a:ext cx="702310" cy="702310"/>
-              <a:chOff x="52917" y="3729590"/>
-              <a:chExt cx="702310" cy="702310"/>
-            </a:xfrm>
-          </p:grpSpPr>
-          <p:sp>
-            <p:nvSpPr>
-              <p:cNvPr id="61" name="椭圆 60"/>
-              <p:cNvSpPr/>
-              <p:nvPr/>
-            </p:nvSpPr>
-            <p:spPr>
-              <a:xfrm>
-                <a:off x="52917" y="3729590"/>
-                <a:ext cx="702310" cy="702310"/>
-              </a:xfrm>
-              <a:prstGeom prst="ellipse">
-                <a:avLst/>
-              </a:prstGeom>
-              <a:solidFill>
-                <a:srgbClr val="7FCFED"/>
-              </a:solidFill>
-              <a:ln>
-                <a:noFill/>
-              </a:ln>
-              <a:effectLst/>
-            </p:spPr>
-            <p:style>
-              <a:lnRef idx="2">
-                <a:schemeClr val="accent1">
-                  <a:shade val="50000"/>
-                </a:schemeClr>
-              </a:lnRef>
-              <a:fillRef idx="1">
-                <a:schemeClr val="accent1"/>
-              </a:fillRef>
-              <a:effectRef idx="0">
-                <a:schemeClr val="accent1"/>
-              </a:effectRef>
-              <a:fontRef idx="minor">
-                <a:schemeClr val="lt1"/>
-              </a:fontRef>
-            </p:style>
-            <p:txBody>
-              <a:bodyPr wrap="none" rtlCol="0" anchor="ctr"/>
-              <a:lstStyle/>
-              <a:p>
-                <a:pPr algn="ctr">
-                  <a:lnSpc>
-                    <a:spcPct val="138000"/>
-                  </a:lnSpc>
-                </a:pPr>
-                <a:endParaRPr lang="zh-CN" altLang="en-US" sz="3200" b="1" dirty="0">
-                  <a:solidFill>
-                    <a:srgbClr val="7FCFED"/>
-                  </a:solidFill>
-                  <a:effectLst/>
-                  <a:latin typeface="思源黑体 CN Normal" panose="020B0400000000000000" pitchFamily="34" charset="-122"/>
-                  <a:ea typeface="思源黑体 CN Normal" panose="020B0400000000000000" pitchFamily="34" charset="-122"/>
-                  <a:cs typeface="+mn-ea"/>
-                  <a:sym typeface="思源黑体 CN Normal" panose="020B0400000000000000" pitchFamily="34" charset="-122"/>
-                </a:endParaRPr>
-              </a:p>
-            </p:txBody>
-          </p:sp>
-          <p:sp>
-            <p:nvSpPr>
-              <p:cNvPr id="62" name="矩形 61"/>
-              <p:cNvSpPr/>
-              <p:nvPr/>
-            </p:nvSpPr>
-            <p:spPr>
-              <a:xfrm>
-                <a:off x="193918" y="3803205"/>
-                <a:ext cx="420308" cy="584775"/>
-              </a:xfrm>
-              <a:prstGeom prst="rect">
-                <a:avLst/>
-              </a:prstGeom>
-            </p:spPr>
-            <p:txBody>
-              <a:bodyPr wrap="none">
-                <a:spAutoFit/>
-              </a:bodyPr>
-              <a:lstStyle/>
-              <a:p>
-                <a:r>
-                  <a:rPr lang="en-US" altLang="zh-CN" sz="3200" b="1" dirty="0">
-                    <a:solidFill>
-                      <a:schemeClr val="bg1"/>
-                    </a:solidFill>
-                    <a:latin typeface="思源黑体 CN Normal" panose="020B0400000000000000" pitchFamily="34" charset="-122"/>
-                    <a:ea typeface="思源黑体 CN Normal" panose="020B0400000000000000" pitchFamily="34" charset="-122"/>
-                    <a:cs typeface="+mn-ea"/>
-                    <a:sym typeface="思源黑体 CN Normal" panose="020B0400000000000000" pitchFamily="34" charset="-122"/>
-                  </a:rPr>
-                  <a:t>2</a:t>
-                </a:r>
-                <a:endParaRPr lang="zh-CN" altLang="en-US" sz="3200" dirty="0"/>
-              </a:p>
-            </p:txBody>
-          </p:sp>
-        </p:grpSp>
-      </p:grpSp>
-      <p:grpSp>
-        <p:nvGrpSpPr>
-          <p:cNvPr id="2" name="组合 1"/>
-          <p:cNvGrpSpPr/>
-          <p:nvPr/>
-        </p:nvGrpSpPr>
-        <p:grpSpPr>
-          <a:xfrm>
-            <a:off x="806675" y="1165537"/>
-            <a:ext cx="3976701" cy="5036077"/>
-            <a:chOff x="806675" y="1165537"/>
-            <a:chExt cx="3976701" cy="5036077"/>
-          </a:xfrm>
-        </p:grpSpPr>
-        <p:sp>
-          <p:nvSpPr>
-            <p:cNvPr id="46" name="文本框 45"/>
-            <p:cNvSpPr txBox="1"/>
-            <p:nvPr/>
-          </p:nvSpPr>
-          <p:spPr>
-            <a:xfrm>
-              <a:off x="1152625" y="2387905"/>
-              <a:ext cx="3630751" cy="2804795"/>
-            </a:xfrm>
-            <a:prstGeom prst="rect">
-              <a:avLst/>
-            </a:prstGeom>
-            <a:noFill/>
-          </p:spPr>
-          <p:txBody>
-            <a:bodyPr wrap="square" rtlCol="0">
-              <a:spAutoFit/>
-            </a:bodyPr>
-            <a:lstStyle/>
-            <a:p>
-              <a:pPr>
-                <a:lnSpc>
-                  <a:spcPct val="138000"/>
-                </a:lnSpc>
-              </a:pPr>
-              <a:r>
-                <a:rPr lang="zh-CN" altLang="en-US" sz="1600" dirty="0">
-                  <a:solidFill>
-                    <a:schemeClr val="tx1">
-                      <a:lumMod val="85000"/>
-                      <a:lumOff val="15000"/>
-                    </a:schemeClr>
-                  </a:solidFill>
-                  <a:latin typeface="思源黑体 CN Normal" panose="020B0400000000000000" pitchFamily="34" charset="-122"/>
-                  <a:ea typeface="思源黑体 CN Normal" panose="020B0400000000000000" pitchFamily="34" charset="-122"/>
-                  <a:cs typeface="+mn-ea"/>
-                  <a:sym typeface="思源黑体 CN Normal" panose="020B0400000000000000" pitchFamily="34" charset="-122"/>
-                </a:rPr>
-                <a:t>随着互联网技术的发展以及智能手机的普及，人们的社交需求不断膨胀，国内外涌现了一批以年轻人为主要服务对象的</a:t>
-              </a:r>
-              <a:r>
-                <a:rPr lang="zh-CN" altLang="en-US" sz="1600" b="1" dirty="0">
-                  <a:solidFill>
-                    <a:schemeClr val="tx1">
-                      <a:lumMod val="85000"/>
-                      <a:lumOff val="15000"/>
-                    </a:schemeClr>
-                  </a:solidFill>
-                  <a:latin typeface="思源黑体 CN Normal" panose="020B0400000000000000" pitchFamily="34" charset="-122"/>
-                  <a:ea typeface="思源黑体 CN Normal" panose="020B0400000000000000" pitchFamily="34" charset="-122"/>
-                  <a:cs typeface="+mn-ea"/>
-                  <a:sym typeface="思源黑体 CN Normal" panose="020B0400000000000000" pitchFamily="34" charset="-122"/>
-                </a:rPr>
-                <a:t>兴趣社区</a:t>
-              </a:r>
-              <a:r>
-                <a:rPr lang="zh-CN" altLang="en-US" sz="1600" dirty="0">
-                  <a:solidFill>
-                    <a:schemeClr val="tx1">
-                      <a:lumMod val="85000"/>
-                      <a:lumOff val="15000"/>
-                    </a:schemeClr>
-                  </a:solidFill>
-                  <a:latin typeface="思源黑体 CN Normal" panose="020B0400000000000000" pitchFamily="34" charset="-122"/>
-                  <a:ea typeface="思源黑体 CN Normal" panose="020B0400000000000000" pitchFamily="34" charset="-122"/>
-                  <a:cs typeface="+mn-ea"/>
-                  <a:sym typeface="思源黑体 CN Normal" panose="020B0400000000000000" pitchFamily="34" charset="-122"/>
-                </a:rPr>
-                <a:t>。</a:t>
-              </a:r>
-              <a:endParaRPr lang="zh-CN" altLang="en-US" sz="1600" dirty="0">
-                <a:solidFill>
-                  <a:schemeClr val="tx1">
-                    <a:lumMod val="85000"/>
-                    <a:lumOff val="15000"/>
-                  </a:schemeClr>
-                </a:solidFill>
-                <a:latin typeface="思源黑体 CN Normal" panose="020B0400000000000000" pitchFamily="34" charset="-122"/>
-                <a:ea typeface="思源黑体 CN Normal" panose="020B0400000000000000" pitchFamily="34" charset="-122"/>
-                <a:cs typeface="+mn-ea"/>
-                <a:sym typeface="思源黑体 CN Normal" panose="020B0400000000000000" pitchFamily="34" charset="-122"/>
-              </a:endParaRPr>
-            </a:p>
-            <a:p>
-              <a:pPr>
-                <a:lnSpc>
-                  <a:spcPct val="138000"/>
-                </a:lnSpc>
-              </a:pPr>
-              <a:endParaRPr lang="zh-CN" altLang="en-US" sz="1600" dirty="0">
-                <a:solidFill>
-                  <a:schemeClr val="tx1">
-                    <a:lumMod val="85000"/>
-                    <a:lumOff val="15000"/>
-                  </a:schemeClr>
-                </a:solidFill>
-                <a:latin typeface="思源黑体 CN Normal" panose="020B0400000000000000" pitchFamily="34" charset="-122"/>
-                <a:ea typeface="思源黑体 CN Normal" panose="020B0400000000000000" pitchFamily="34" charset="-122"/>
-                <a:cs typeface="+mn-ea"/>
-                <a:sym typeface="思源黑体 CN Normal" panose="020B0400000000000000" pitchFamily="34" charset="-122"/>
-              </a:endParaRPr>
-            </a:p>
-            <a:p>
-              <a:pPr>
-                <a:lnSpc>
-                  <a:spcPct val="138000"/>
-                </a:lnSpc>
-              </a:pPr>
-              <a:r>
-                <a:rPr lang="zh-CN" altLang="en-US" sz="1600" dirty="0">
-                  <a:solidFill>
-                    <a:schemeClr val="tx1">
-                      <a:lumMod val="85000"/>
-                      <a:lumOff val="15000"/>
-                    </a:schemeClr>
-                  </a:solidFill>
-                  <a:latin typeface="思源黑体 CN Normal" panose="020B0400000000000000" pitchFamily="34" charset="-122"/>
-                  <a:ea typeface="思源黑体 CN Normal" panose="020B0400000000000000" pitchFamily="34" charset="-122"/>
-                  <a:cs typeface="+mn-ea"/>
-                  <a:sym typeface="思源黑体 CN Normal" panose="020B0400000000000000" pitchFamily="34" charset="-122"/>
-                </a:rPr>
-                <a:t>由于社群联系成为大众需求的重要组成部分，各大平台也开始有意识地借助社群功能促进用户之间互动。</a:t>
-              </a:r>
-              <a:endParaRPr lang="zh-CN" altLang="en-US" sz="1600" dirty="0">
-                <a:solidFill>
-                  <a:schemeClr val="tx1">
-                    <a:lumMod val="85000"/>
-                    <a:lumOff val="15000"/>
-                  </a:schemeClr>
-                </a:solidFill>
-                <a:latin typeface="思源黑体 CN Normal" panose="020B0400000000000000" pitchFamily="34" charset="-122"/>
-                <a:ea typeface="思源黑体 CN Normal" panose="020B0400000000000000" pitchFamily="34" charset="-122"/>
-                <a:cs typeface="+mn-ea"/>
-                <a:sym typeface="思源黑体 CN Normal" panose="020B0400000000000000" pitchFamily="34" charset="-122"/>
-              </a:endParaRPr>
-            </a:p>
-          </p:txBody>
-        </p:sp>
-        <p:grpSp>
-          <p:nvGrpSpPr>
-            <p:cNvPr id="37" name="组合 36"/>
-            <p:cNvGrpSpPr/>
-            <p:nvPr/>
-          </p:nvGrpSpPr>
-          <p:grpSpPr>
-            <a:xfrm>
-              <a:off x="806675" y="1165537"/>
-              <a:ext cx="2577135" cy="1156628"/>
-              <a:chOff x="1075197" y="506436"/>
-              <a:chExt cx="2577135" cy="1156628"/>
-            </a:xfrm>
-          </p:grpSpPr>
-          <p:grpSp>
-            <p:nvGrpSpPr>
-              <p:cNvPr id="38" name="组合 37"/>
-              <p:cNvGrpSpPr/>
-              <p:nvPr/>
-            </p:nvGrpSpPr>
-            <p:grpSpPr>
-              <a:xfrm>
-                <a:off x="1427292" y="506436"/>
-                <a:ext cx="2225040" cy="1156628"/>
-                <a:chOff x="4887107" y="1155713"/>
-                <a:chExt cx="2225040" cy="1156628"/>
-              </a:xfrm>
-            </p:grpSpPr>
-            <p:sp>
-              <p:nvSpPr>
-                <p:cNvPr id="40" name="文本框 39"/>
-                <p:cNvSpPr txBox="1"/>
-                <p:nvPr/>
-              </p:nvSpPr>
-              <p:spPr>
-                <a:xfrm>
-                  <a:off x="4887107" y="1870522"/>
-                  <a:ext cx="1512502" cy="441819"/>
-                </a:xfrm>
-                <a:prstGeom prst="rect">
-                  <a:avLst/>
-                </a:prstGeom>
-                <a:noFill/>
-              </p:spPr>
-              <p:txBody>
-                <a:bodyPr wrap="none" rtlCol="0">
-                  <a:spAutoFit/>
-                </a:bodyPr>
-                <a:lstStyle/>
-                <a:p>
-                  <a:pPr>
-                    <a:lnSpc>
-                      <a:spcPct val="138000"/>
-                    </a:lnSpc>
-                  </a:pPr>
-                  <a:r>
-                    <a:rPr lang="en-US" altLang="zh-CN" sz="1600" i="1" dirty="0">
-                      <a:solidFill>
-                        <a:srgbClr val="7FCFED">
-                          <a:alpha val="80000"/>
-                        </a:srgbClr>
-                      </a:solidFill>
-                      <a:latin typeface="思源黑体 CN Normal" panose="020B0400000000000000" pitchFamily="34" charset="-122"/>
-                      <a:ea typeface="思源黑体 CN Normal" panose="020B0400000000000000" pitchFamily="34" charset="-122"/>
-                      <a:cs typeface="+mn-ea"/>
-                      <a:sym typeface="思源黑体 CN Normal" panose="020B0400000000000000" pitchFamily="34" charset="-122"/>
-                    </a:rPr>
-                    <a:t>Research background </a:t>
-                  </a:r>
-                  <a:endParaRPr lang="en-US" altLang="zh-CN" sz="1600" i="1" dirty="0">
-                    <a:solidFill>
-                      <a:srgbClr val="7FCFED">
-                        <a:alpha val="80000"/>
-                      </a:srgbClr>
-                    </a:solidFill>
-                    <a:latin typeface="思源黑体 CN Normal" panose="020B0400000000000000" pitchFamily="34" charset="-122"/>
-                    <a:ea typeface="思源黑体 CN Normal" panose="020B0400000000000000" pitchFamily="34" charset="-122"/>
-                    <a:cs typeface="+mn-ea"/>
-                    <a:sym typeface="思源黑体 CN Normal" panose="020B0400000000000000" pitchFamily="34" charset="-122"/>
-                  </a:endParaRPr>
-                </a:p>
-              </p:txBody>
-            </p:sp>
-            <p:sp>
-              <p:nvSpPr>
-                <p:cNvPr id="41" name="文本框 40"/>
-                <p:cNvSpPr txBox="1"/>
-                <p:nvPr/>
-              </p:nvSpPr>
-              <p:spPr>
-                <a:xfrm>
-                  <a:off x="4887107" y="1155713"/>
-                  <a:ext cx="2225040" cy="939800"/>
-                </a:xfrm>
-                <a:prstGeom prst="rect">
-                  <a:avLst/>
-                </a:prstGeom>
-                <a:noFill/>
-              </p:spPr>
-              <p:txBody>
-                <a:bodyPr wrap="none" rtlCol="0">
-                  <a:spAutoFit/>
-                </a:bodyPr>
-                <a:lstStyle/>
-                <a:p>
-                  <a:pPr>
-                    <a:lnSpc>
-                      <a:spcPct val="138000"/>
-                    </a:lnSpc>
-                  </a:pPr>
-                  <a:r>
-                    <a:rPr lang="zh-CN" altLang="en-US" sz="4000" b="1" dirty="0">
-                      <a:solidFill>
-                        <a:srgbClr val="1974A2"/>
-                      </a:solidFill>
-                      <a:latin typeface="思源黑体 CN Normal" panose="020B0400000000000000" pitchFamily="34" charset="-122"/>
-                      <a:ea typeface="思源黑体 CN Normal" panose="020B0400000000000000" pitchFamily="34" charset="-122"/>
-                      <a:cs typeface="+mn-ea"/>
-                      <a:sym typeface="思源黑体 CN Normal" panose="020B0400000000000000" pitchFamily="34" charset="-122"/>
-                    </a:rPr>
-                    <a:t>项目背景</a:t>
-                  </a:r>
-                  <a:endParaRPr lang="zh-CN" altLang="en-US" sz="4000" b="1" dirty="0">
-                    <a:solidFill>
-                      <a:srgbClr val="1974A2"/>
-                    </a:solidFill>
-                    <a:latin typeface="思源黑体 CN Normal" panose="020B0400000000000000" pitchFamily="34" charset="-122"/>
-                    <a:ea typeface="思源黑体 CN Normal" panose="020B0400000000000000" pitchFamily="34" charset="-122"/>
-                    <a:cs typeface="+mn-ea"/>
-                    <a:sym typeface="思源黑体 CN Normal" panose="020B0400000000000000" pitchFamily="34" charset="-122"/>
-                  </a:endParaRPr>
-                </a:p>
-              </p:txBody>
-            </p:sp>
-          </p:grpSp>
-          <p:sp>
-            <p:nvSpPr>
-              <p:cNvPr id="39" name="矩形: 圆角 38"/>
-              <p:cNvSpPr/>
-              <p:nvPr/>
-            </p:nvSpPr>
-            <p:spPr>
-              <a:xfrm rot="5400000">
-                <a:off x="822233" y="1074646"/>
-                <a:ext cx="601547" cy="95620"/>
-              </a:xfrm>
-              <a:prstGeom prst="roundRect">
-                <a:avLst>
-                  <a:gd name="adj" fmla="val 50000"/>
-                </a:avLst>
-              </a:prstGeom>
-              <a:solidFill>
-                <a:srgbClr val="7FCFED"/>
-              </a:solidFill>
-              <a:ln>
-                <a:noFill/>
-              </a:ln>
-            </p:spPr>
-            <p:style>
-              <a:lnRef idx="2">
-                <a:schemeClr val="accent1">
-                  <a:shade val="50000"/>
-                </a:schemeClr>
-              </a:lnRef>
-              <a:fillRef idx="1">
-                <a:schemeClr val="accent1"/>
-              </a:fillRef>
-              <a:effectRef idx="0">
-                <a:schemeClr val="accent1"/>
-              </a:effectRef>
-              <a:fontRef idx="minor">
-                <a:schemeClr val="lt1"/>
-              </a:fontRef>
-            </p:style>
-            <p:txBody>
-              <a:bodyPr rtlCol="0" anchor="ctr"/>
-              <a:lstStyle/>
-              <a:p>
-                <a:pPr algn="ctr">
-                  <a:lnSpc>
-                    <a:spcPct val="138000"/>
-                  </a:lnSpc>
-                </a:pPr>
-                <a:endParaRPr lang="zh-CN" altLang="en-US">
-                  <a:latin typeface="思源黑体 CN Normal" panose="020B0400000000000000" pitchFamily="34" charset="-122"/>
-                  <a:ea typeface="思源黑体 CN Normal" panose="020B0400000000000000" pitchFamily="34" charset="-122"/>
-                  <a:sym typeface="思源黑体 CN Normal" panose="020B0400000000000000" pitchFamily="34" charset="-122"/>
-                </a:endParaRPr>
-              </a:p>
-            </p:txBody>
-          </p:sp>
-        </p:grpSp>
-        <p:grpSp>
-          <p:nvGrpSpPr>
-            <p:cNvPr id="7" name="组合 6"/>
-            <p:cNvGrpSpPr/>
-            <p:nvPr/>
-          </p:nvGrpSpPr>
-          <p:grpSpPr>
-            <a:xfrm>
-              <a:off x="1270493" y="5685994"/>
-              <a:ext cx="2113280" cy="515620"/>
-              <a:chOff x="1858374" y="5698694"/>
-              <a:chExt cx="2113280" cy="515620"/>
-            </a:xfrm>
-          </p:grpSpPr>
-          <p:sp>
-            <p:nvSpPr>
-              <p:cNvPr id="13" name="圆角矩形 12"/>
-              <p:cNvSpPr/>
-              <p:nvPr/>
-            </p:nvSpPr>
-            <p:spPr>
-              <a:xfrm>
-                <a:off x="1858374" y="5729972"/>
-                <a:ext cx="2113280" cy="477914"/>
-              </a:xfrm>
-              <a:prstGeom prst="roundRect">
-                <a:avLst>
-                  <a:gd name="adj" fmla="val 50000"/>
-                </a:avLst>
-              </a:prstGeom>
-              <a:noFill/>
-              <a:ln>
-                <a:solidFill>
-                  <a:srgbClr val="1974A2"/>
-                </a:solidFill>
-              </a:ln>
-            </p:spPr>
-            <p:style>
-              <a:lnRef idx="2">
-                <a:schemeClr val="accent1">
-                  <a:shade val="50000"/>
-                </a:schemeClr>
-              </a:lnRef>
-              <a:fillRef idx="1">
-                <a:schemeClr val="accent1"/>
-              </a:fillRef>
-              <a:effectRef idx="0">
-                <a:schemeClr val="accent1"/>
-              </a:effectRef>
-              <a:fontRef idx="minor">
-                <a:schemeClr val="lt1"/>
-              </a:fontRef>
-            </p:style>
-            <p:txBody>
-              <a:bodyPr rtlCol="0" anchor="ctr"/>
-              <a:lstStyle/>
-              <a:p>
-                <a:pPr algn="ctr" fontAlgn="auto">
-                  <a:lnSpc>
-                    <a:spcPct val="138000"/>
-                  </a:lnSpc>
-                </a:pPr>
-                <a:endParaRPr lang="en-US" altLang="zh-CN" sz="2000">
-                  <a:solidFill>
-                    <a:schemeClr val="tx1">
-                      <a:lumMod val="75000"/>
-                      <a:lumOff val="25000"/>
-                    </a:schemeClr>
-                  </a:solidFill>
-                  <a:latin typeface="思源黑体 CN Normal" panose="020B0400000000000000" pitchFamily="34" charset="-122"/>
-                  <a:ea typeface="思源黑体 CN Normal" panose="020B0400000000000000" pitchFamily="34" charset="-122"/>
-                  <a:cs typeface="+mn-ea"/>
-                  <a:sym typeface="思源黑体 CN Normal" panose="020B0400000000000000" pitchFamily="34" charset="-122"/>
-                </a:endParaRPr>
-              </a:p>
-            </p:txBody>
-          </p:sp>
-          <p:sp>
-            <p:nvSpPr>
-              <p:cNvPr id="14" name="圆角矩形 13"/>
-              <p:cNvSpPr/>
-              <p:nvPr/>
-            </p:nvSpPr>
-            <p:spPr>
-              <a:xfrm>
-                <a:off x="1864089" y="5729337"/>
-                <a:ext cx="1508760" cy="477914"/>
-              </a:xfrm>
-              <a:prstGeom prst="roundRect">
-                <a:avLst>
-                  <a:gd name="adj" fmla="val 50000"/>
-                </a:avLst>
-              </a:prstGeom>
-              <a:solidFill>
-                <a:srgbClr val="1974A2"/>
-              </a:solidFill>
-              <a:ln>
-                <a:solidFill>
-                  <a:srgbClr val="1974A2"/>
-                </a:solidFill>
-              </a:ln>
-            </p:spPr>
-            <p:style>
-              <a:lnRef idx="2">
-                <a:schemeClr val="accent1">
-                  <a:shade val="50000"/>
-                </a:schemeClr>
-              </a:lnRef>
-              <a:fillRef idx="1">
-                <a:schemeClr val="accent1"/>
-              </a:fillRef>
-              <a:effectRef idx="0">
-                <a:schemeClr val="accent1"/>
-              </a:effectRef>
-              <a:fontRef idx="minor">
-                <a:schemeClr val="lt1"/>
-              </a:fontRef>
-            </p:style>
-            <p:txBody>
-              <a:bodyPr rtlCol="0" anchor="ctr"/>
-              <a:lstStyle/>
-              <a:p>
-                <a:pPr algn="ctr" fontAlgn="auto">
-                  <a:lnSpc>
-                    <a:spcPct val="138000"/>
-                  </a:lnSpc>
-                </a:pPr>
-                <a:endParaRPr lang="zh-CN" altLang="en-US" sz="2000" dirty="0">
-                  <a:solidFill>
-                    <a:schemeClr val="bg1"/>
-                  </a:solidFill>
-                  <a:latin typeface="思源黑体 CN Normal" panose="020B0400000000000000" pitchFamily="34" charset="-122"/>
-                  <a:ea typeface="思源黑体 CN Normal" panose="020B0400000000000000" pitchFamily="34" charset="-122"/>
-                  <a:cs typeface="+mn-ea"/>
-                  <a:sym typeface="思源黑体 CN Normal" panose="020B0400000000000000" pitchFamily="34" charset="-122"/>
-                </a:endParaRPr>
-              </a:p>
-            </p:txBody>
-          </p:sp>
-          <p:cxnSp>
-            <p:nvCxnSpPr>
-              <p:cNvPr id="15" name="直接箭头连接符 14"/>
-              <p:cNvCxnSpPr/>
-              <p:nvPr/>
-            </p:nvCxnSpPr>
-            <p:spPr>
-              <a:xfrm>
-                <a:off x="3547775" y="5968929"/>
-                <a:ext cx="194168" cy="0"/>
-              </a:xfrm>
-              <a:prstGeom prst="straightConnector1">
-                <a:avLst/>
-              </a:prstGeom>
-              <a:ln w="25400" cap="rnd">
-                <a:solidFill>
-                  <a:srgbClr val="1974A2"/>
-                </a:solidFill>
-                <a:round/>
-                <a:tailEnd type="arrow"/>
-              </a:ln>
-            </p:spPr>
-            <p:style>
-              <a:lnRef idx="1">
-                <a:schemeClr val="accent1"/>
-              </a:lnRef>
-              <a:fillRef idx="0">
-                <a:schemeClr val="accent1"/>
-              </a:fillRef>
-              <a:effectRef idx="0">
-                <a:schemeClr val="accent1"/>
-              </a:effectRef>
-              <a:fontRef idx="minor">
-                <a:schemeClr val="tx1"/>
-              </a:fontRef>
-            </p:style>
-          </p:cxnSp>
-          <p:sp>
-            <p:nvSpPr>
-              <p:cNvPr id="6" name="矩形 5"/>
-              <p:cNvSpPr/>
-              <p:nvPr/>
-            </p:nvSpPr>
-            <p:spPr>
-              <a:xfrm>
-                <a:off x="2127814" y="5698694"/>
-                <a:ext cx="948690" cy="515620"/>
-              </a:xfrm>
-              <a:prstGeom prst="rect">
-                <a:avLst/>
-              </a:prstGeom>
-            </p:spPr>
-            <p:txBody>
-              <a:bodyPr wrap="none">
-                <a:spAutoFit/>
-              </a:bodyPr>
-              <a:lstStyle/>
-              <a:p>
-                <a:pPr algn="ctr" fontAlgn="auto">
-                  <a:lnSpc>
-                    <a:spcPct val="138000"/>
-                  </a:lnSpc>
-                </a:pPr>
-                <a:r>
-                  <a:rPr lang="zh-CN" altLang="en-US" sz="2000" b="1" dirty="0">
-                    <a:solidFill>
-                      <a:schemeClr val="bg1"/>
-                    </a:solidFill>
-                    <a:latin typeface="思源黑体 CN Normal" panose="020B0400000000000000" pitchFamily="34" charset="-122"/>
-                    <a:ea typeface="思源黑体 CN Normal" panose="020B0400000000000000" pitchFamily="34" charset="-122"/>
-                    <a:cs typeface="+mn-ea"/>
-                    <a:sym typeface="思源黑体 CN Normal" panose="020B0400000000000000" pitchFamily="34" charset="-122"/>
-                  </a:rPr>
-                  <a:t>切入点</a:t>
-                </a:r>
-                <a:endParaRPr lang="zh-CN" altLang="en-US" sz="2000" b="1" dirty="0">
-                  <a:solidFill>
-                    <a:schemeClr val="bg1"/>
-                  </a:solidFill>
-                  <a:latin typeface="思源黑体 CN Normal" panose="020B0400000000000000" pitchFamily="34" charset="-122"/>
-                  <a:ea typeface="思源黑体 CN Normal" panose="020B0400000000000000" pitchFamily="34" charset="-122"/>
-                  <a:cs typeface="+mn-ea"/>
-                  <a:sym typeface="思源黑体 CN Normal" panose="020B0400000000000000" pitchFamily="34" charset="-122"/>
-                </a:endParaRPr>
-              </a:p>
-            </p:txBody>
-          </p:sp>
-        </p:grpSp>
-      </p:grpSp>
-      <p:pic>
-        <p:nvPicPr>
-          <p:cNvPr id="30" name="图片 29"/>
-          <p:cNvPicPr>
-            <a:picLocks noChangeAspect="1"/>
-          </p:cNvPicPr>
-          <p:nvPr/>
-        </p:nvPicPr>
-        <p:blipFill>
-          <a:blip r:embed="rId2" cstate="print">
-            <a:extLst>
-              <a:ext uri="{28A0092B-C50C-407E-A947-70E740481C1C}">
-                <a14:useLocalDpi xmlns:a14="http://schemas.microsoft.com/office/drawing/2010/main" val="0"/>
-              </a:ext>
-            </a:extLst>
-          </a:blip>
-          <a:stretch>
-            <a:fillRect/>
-          </a:stretch>
-        </p:blipFill>
-        <p:spPr>
-          <a:xfrm>
-            <a:off x="11089086" y="306729"/>
-            <a:ext cx="798118" cy="798118"/>
-          </a:xfrm>
-          <a:prstGeom prst="rect">
-            <a:avLst/>
-          </a:prstGeom>
-        </p:spPr>
-      </p:pic>
-      <p:sp>
-        <p:nvSpPr>
-          <p:cNvPr id="5" name="椭圆 4"/>
-          <p:cNvSpPr/>
-          <p:nvPr/>
-        </p:nvSpPr>
-        <p:spPr>
-          <a:xfrm>
-            <a:off x="9628323" y="4550339"/>
-            <a:ext cx="702310" cy="702310"/>
-          </a:xfrm>
-          <a:prstGeom prst="ellipse">
-            <a:avLst/>
-          </a:prstGeom>
-          <a:solidFill>
-            <a:srgbClr val="1974A2"/>
-          </a:solidFill>
-          <a:ln>
-            <a:noFill/>
-          </a:ln>
-          <a:effectLst/>
-        </p:spPr>
-        <p:style>
-          <a:lnRef idx="2">
-            <a:schemeClr val="accent1">
-              <a:shade val="50000"/>
-            </a:schemeClr>
-          </a:lnRef>
-          <a:fillRef idx="1">
-            <a:schemeClr val="accent1"/>
-          </a:fillRef>
-          <a:effectRef idx="0">
-            <a:schemeClr val="accent1"/>
-          </a:effectRef>
-          <a:fontRef idx="minor">
-            <a:schemeClr val="lt1"/>
-          </a:fontRef>
-        </p:style>
-        <p:txBody>
-          <a:bodyPr wrap="none" rtlCol="0" anchor="ctr"/>
-          <a:p>
-            <a:pPr algn="ctr">
-              <a:lnSpc>
-                <a:spcPct val="138000"/>
-              </a:lnSpc>
-            </a:pPr>
-            <a:endParaRPr lang="zh-CN" altLang="en-US" sz="3200" b="1" dirty="0">
-              <a:solidFill>
-                <a:schemeClr val="bg1"/>
-              </a:solidFill>
-              <a:effectLst/>
-              <a:latin typeface="思源黑体 CN Normal" panose="020B0400000000000000" pitchFamily="34" charset="-122"/>
-              <a:ea typeface="思源黑体 CN Normal" panose="020B0400000000000000" pitchFamily="34" charset="-122"/>
-              <a:cs typeface="+mn-ea"/>
-              <a:sym typeface="思源黑体 CN Normal" panose="020B0400000000000000" pitchFamily="34" charset="-122"/>
-            </a:endParaRPr>
-          </a:p>
-        </p:txBody>
-      </p:sp>
-      <p:sp>
-        <p:nvSpPr>
-          <p:cNvPr id="8" name="矩形 7"/>
-          <p:cNvSpPr/>
-          <p:nvPr/>
-        </p:nvSpPr>
-        <p:spPr>
-          <a:xfrm>
-            <a:off x="9771136" y="4623954"/>
-            <a:ext cx="387985" cy="583565"/>
-          </a:xfrm>
-          <a:prstGeom prst="rect">
-            <a:avLst/>
-          </a:prstGeom>
-        </p:spPr>
-        <p:txBody>
-          <a:bodyPr wrap="none">
-            <a:spAutoFit/>
-          </a:bodyPr>
-          <a:p>
-            <a:pPr algn="l">
-              <a:buClrTx/>
-              <a:buSzTx/>
-              <a:buFontTx/>
-            </a:pPr>
-            <a:r>
-              <a:rPr lang="en-US" altLang="zh-CN" sz="3200" b="1" dirty="0">
-                <a:solidFill>
-                  <a:schemeClr val="bg1"/>
-                </a:solidFill>
-                <a:latin typeface="思源黑体 CN Normal" panose="020B0400000000000000" pitchFamily="34" charset="-122"/>
-                <a:ea typeface="思源黑体 CN Normal" panose="020B0400000000000000" pitchFamily="34" charset="-122"/>
-                <a:cs typeface="+mn-ea"/>
-              </a:rPr>
-              <a:t>3</a:t>
-            </a:r>
-            <a:endParaRPr lang="en-US" altLang="zh-CN" sz="3200" b="1" dirty="0">
-              <a:solidFill>
-                <a:schemeClr val="bg1"/>
-              </a:solidFill>
-              <a:latin typeface="思源黑体 CN Normal" panose="020B0400000000000000" pitchFamily="34" charset="-122"/>
-              <a:ea typeface="思源黑体 CN Normal" panose="020B0400000000000000" pitchFamily="34" charset="-122"/>
-              <a:cs typeface="+mn-ea"/>
-            </a:endParaRPr>
-          </a:p>
-        </p:txBody>
-      </p:sp>
-      <p:sp>
-        <p:nvSpPr>
-          <p:cNvPr id="9" name="文本框 8"/>
-          <p:cNvSpPr txBox="1"/>
-          <p:nvPr>
-            <p:custDataLst>
-              <p:tags r:id="rId3"/>
-            </p:custDataLst>
-          </p:nvPr>
-        </p:nvSpPr>
-        <p:spPr>
-          <a:xfrm>
-            <a:off x="10212941" y="4915464"/>
-            <a:ext cx="1906270" cy="1278890"/>
-          </a:xfrm>
-          <a:prstGeom prst="rect">
-            <a:avLst/>
-          </a:prstGeom>
-          <a:noFill/>
-        </p:spPr>
-        <p:txBody>
-          <a:bodyPr wrap="square" rtlCol="0">
-            <a:spAutoFit/>
-          </a:bodyPr>
-          <a:p>
-            <a:pPr>
-              <a:lnSpc>
-                <a:spcPct val="138000"/>
-              </a:lnSpc>
-            </a:pPr>
-            <a:r>
-              <a:rPr lang="zh-CN" altLang="en-US" sz="1400" dirty="0">
-                <a:solidFill>
-                  <a:schemeClr val="tx1">
-                    <a:lumMod val="65000"/>
-                    <a:lumOff val="35000"/>
-                  </a:schemeClr>
-                </a:solidFill>
-                <a:effectLst/>
-                <a:latin typeface="思源黑体 CN Normal" panose="020B0400000000000000" pitchFamily="34" charset="-122"/>
-                <a:ea typeface="思源黑体 CN Normal" panose="020B0400000000000000" pitchFamily="34" charset="-122"/>
-                <a:cs typeface="+mn-ea"/>
-                <a:sym typeface="思源黑体 CN Normal" panose="020B0400000000000000" pitchFamily="34" charset="-122"/>
-              </a:rPr>
-              <a:t>虚拟社群普遍存在的垃圾文本泛滥、用户流失和活跃度低等问题</a:t>
-            </a:r>
-            <a:endParaRPr lang="zh-CN" altLang="en-US" sz="1400" dirty="0">
-              <a:solidFill>
-                <a:schemeClr val="tx1">
-                  <a:lumMod val="65000"/>
-                  <a:lumOff val="35000"/>
-                </a:schemeClr>
-              </a:solidFill>
-              <a:effectLst/>
-              <a:latin typeface="思源黑体 CN Normal" panose="020B0400000000000000" pitchFamily="34" charset="-122"/>
-              <a:ea typeface="思源黑体 CN Normal" panose="020B0400000000000000" pitchFamily="34" charset="-122"/>
-              <a:cs typeface="+mn-ea"/>
-              <a:sym typeface="思源黑体 CN Normal" panose="020B0400000000000000" pitchFamily="34" charset="-122"/>
-            </a:endParaRPr>
-          </a:p>
-        </p:txBody>
-      </p:sp>
-    </p:spTree>
-    <p:custDataLst>
-      <p:tags r:id="rId4"/>
-    </p:custDataLst>
-  </p:cSld>
-  <p:clrMapOvr>
-    <a:masterClrMapping/>
-  </p:clrMapOvr>
-  <mc:AlternateContent xmlns:mc="http://schemas.openxmlformats.org/markup-compatibility/2006" xmlns:p159="http://schemas.microsoft.com/office/powerpoint/2015/09/main">
-    <mc:Choice Requires="p159">
-      <p:transition xmlns:p14="http://schemas.microsoft.com/office/powerpoint/2010/main" spd="slow" p14:dur="2000" advTm="3000">
-        <p159:morph option="byObject"/>
-      </p:transition>
-    </mc:Choice>
-    <mc:Fallback>
-      <p:transition spd="slow" advTm="3000">
-        <p:fade/>
-      </p:transition>
-    </mc:Fallback>
-  </mc:AlternateContent>
-  <p:timing>
-    <p:tnLst>
-      <p:par>
-        <p:cTn id="1" dur="indefinite" restart="never" nodeType="tmRoot"/>
-      </p:par>
-    </p:tnLst>
-  </p:timing>
-</p:sld>
-</file>
-
-<file path=ppt/slides/slide5.xml><?xml version="1.0" encoding="utf-8"?>
-<p:sld xmlns:a="http://schemas.openxmlformats.org/drawingml/2006/main" xmlns:r="http://schemas.openxmlformats.org/officeDocument/2006/relationships" xmlns:p="http://schemas.openxmlformats.org/presentationml/2006/main">
-  <p:cSld>
-    <p:spTree>
-      <p:nvGrpSpPr>
-        <p:cNvPr id="1" name=""/>
-        <p:cNvGrpSpPr/>
-        <p:nvPr/>
-      </p:nvGrpSpPr>
-      <p:grpSpPr>
-        <a:xfrm>
-          <a:off x="0" y="0"/>
-          <a:ext cx="0" cy="0"/>
-          <a:chOff x="0" y="0"/>
-          <a:chExt cx="0" cy="0"/>
-        </a:xfrm>
-      </p:grpSpPr>
-      <p:grpSp>
-        <p:nvGrpSpPr>
           <p:cNvPr id="37" name="组合 36"/>
           <p:cNvGrpSpPr/>
           <p:nvPr/>
@@ -12316,7 +10797,7 @@
 </p:sld>
 </file>
 
-<file path=ppt/slides/slide6.xml><?xml version="1.0" encoding="utf-8"?>
+<file path=ppt/slides/slide5.xml><?xml version="1.0" encoding="utf-8"?>
 <p:sld xmlns:a="http://schemas.openxmlformats.org/drawingml/2006/main" xmlns:r="http://schemas.openxmlformats.org/officeDocument/2006/relationships" xmlns:p="http://schemas.openxmlformats.org/presentationml/2006/main">
   <p:cSld>
     <p:spTree>
@@ -12694,7 +11175,7 @@
 </p:sld>
 </file>
 
-<file path=ppt/slides/slide7.xml><?xml version="1.0" encoding="utf-8"?>
+<file path=ppt/slides/slide6.xml><?xml version="1.0" encoding="utf-8"?>
 <p:sld xmlns:a="http://schemas.openxmlformats.org/drawingml/2006/main" xmlns:r="http://schemas.openxmlformats.org/officeDocument/2006/relationships" xmlns:p="http://schemas.openxmlformats.org/presentationml/2006/main">
   <p:cSld>
     <p:spTree>
@@ -13005,7 +11486,7 @@
 </p:sld>
 </file>
 
-<file path=ppt/slides/slide8.xml><?xml version="1.0" encoding="utf-8"?>
+<file path=ppt/slides/slide7.xml><?xml version="1.0" encoding="utf-8"?>
 <p:sld xmlns:a="http://schemas.openxmlformats.org/drawingml/2006/main" xmlns:r="http://schemas.openxmlformats.org/officeDocument/2006/relationships" xmlns:p="http://schemas.openxmlformats.org/presentationml/2006/main">
   <p:cSld>
     <p:spTree>
@@ -13400,7 +11881,7 @@
 </p:sld>
 </file>
 
-<file path=ppt/slides/slide9.xml><?xml version="1.0" encoding="utf-8"?>
+<file path=ppt/slides/slide8.xml><?xml version="1.0" encoding="utf-8"?>
 <p:sld xmlns:a="http://schemas.openxmlformats.org/drawingml/2006/main" xmlns:r="http://schemas.openxmlformats.org/officeDocument/2006/relationships" xmlns:p="http://schemas.openxmlformats.org/presentationml/2006/main">
   <p:cSld>
     <p:spTree>
@@ -13830,6 +12311,318 @@
 </p:sld>
 </file>
 
+<file path=ppt/slides/slide9.xml><?xml version="1.0" encoding="utf-8"?>
+<p:sld xmlns:a="http://schemas.openxmlformats.org/drawingml/2006/main" xmlns:r="http://schemas.openxmlformats.org/officeDocument/2006/relationships" xmlns:p="http://schemas.openxmlformats.org/presentationml/2006/main">
+  <p:cSld>
+    <p:spTree>
+      <p:nvGrpSpPr>
+        <p:cNvPr id="1" name=""/>
+        <p:cNvGrpSpPr/>
+        <p:nvPr/>
+      </p:nvGrpSpPr>
+      <p:grpSpPr>
+        <a:xfrm>
+          <a:off x="0" y="0"/>
+          <a:ext cx="0" cy="0"/>
+          <a:chOff x="0" y="0"/>
+          <a:chExt cx="0" cy="0"/>
+        </a:xfrm>
+      </p:grpSpPr>
+      <p:grpSp>
+        <p:nvGrpSpPr>
+          <p:cNvPr id="37" name="组合 36"/>
+          <p:cNvGrpSpPr/>
+          <p:nvPr/>
+        </p:nvGrpSpPr>
+        <p:grpSpPr>
+          <a:xfrm rot="0">
+            <a:off x="806451" y="770890"/>
+            <a:ext cx="3094355" cy="747395"/>
+            <a:chOff x="1075198" y="-320491"/>
+            <a:chExt cx="2411363" cy="1317853"/>
+          </a:xfrm>
+        </p:grpSpPr>
+        <p:sp>
+          <p:nvSpPr>
+            <p:cNvPr id="41" name="文本框 40"/>
+            <p:cNvSpPr txBox="1"/>
+            <p:nvPr/>
+          </p:nvSpPr>
+          <p:spPr>
+            <a:xfrm>
+              <a:off x="1261753" y="-320491"/>
+              <a:ext cx="2224808" cy="1317853"/>
+            </a:xfrm>
+            <a:prstGeom prst="rect">
+              <a:avLst/>
+            </a:prstGeom>
+            <a:noFill/>
+          </p:spPr>
+          <p:txBody>
+            <a:bodyPr wrap="square" rtlCol="0">
+              <a:noAutofit/>
+            </a:bodyPr>
+            <a:lstStyle/>
+            <a:p>
+              <a:pPr>
+                <a:lnSpc>
+                  <a:spcPct val="138000"/>
+                </a:lnSpc>
+              </a:pPr>
+              <a:r>
+                <a:rPr lang="zh-CN" altLang="en-US" sz="3200" b="1" dirty="0">
+                  <a:solidFill>
+                    <a:srgbClr val="1974A2"/>
+                  </a:solidFill>
+                  <a:latin typeface="思源黑体 CN Normal" panose="020B0400000000000000" pitchFamily="34" charset="-122"/>
+                  <a:ea typeface="思源黑体 CN Normal" panose="020B0400000000000000" pitchFamily="34" charset="-122"/>
+                  <a:cs typeface="+mn-ea"/>
+                  <a:sym typeface="思源黑体 CN Normal" panose="020B0400000000000000" pitchFamily="34" charset="-122"/>
+                </a:rPr>
+                <a:t>主要分析</a:t>
+              </a:r>
+              <a:endParaRPr lang="zh-CN" altLang="en-US" sz="3200" b="1" dirty="0">
+                <a:solidFill>
+                  <a:srgbClr val="1974A2"/>
+                </a:solidFill>
+                <a:latin typeface="思源黑体 CN Normal" panose="020B0400000000000000" pitchFamily="34" charset="-122"/>
+                <a:ea typeface="思源黑体 CN Normal" panose="020B0400000000000000" pitchFamily="34" charset="-122"/>
+                <a:cs typeface="+mn-ea"/>
+                <a:sym typeface="思源黑体 CN Normal" panose="020B0400000000000000" pitchFamily="34" charset="-122"/>
+              </a:endParaRPr>
+            </a:p>
+          </p:txBody>
+        </p:sp>
+        <p:sp>
+          <p:nvSpPr>
+            <p:cNvPr id="39" name="矩形: 圆角 38"/>
+            <p:cNvSpPr/>
+            <p:nvPr/>
+          </p:nvSpPr>
+          <p:spPr>
+            <a:xfrm rot="5400000">
+              <a:off x="582708" y="409369"/>
+              <a:ext cx="1080483" cy="95504"/>
+            </a:xfrm>
+            <a:prstGeom prst="roundRect">
+              <a:avLst>
+                <a:gd name="adj" fmla="val 50000"/>
+              </a:avLst>
+            </a:prstGeom>
+            <a:solidFill>
+              <a:srgbClr val="7FCFED"/>
+            </a:solidFill>
+            <a:ln>
+              <a:noFill/>
+            </a:ln>
+          </p:spPr>
+          <p:style>
+            <a:lnRef idx="2">
+              <a:schemeClr val="accent1">
+                <a:shade val="50000"/>
+              </a:schemeClr>
+            </a:lnRef>
+            <a:fillRef idx="1">
+              <a:schemeClr val="accent1"/>
+            </a:fillRef>
+            <a:effectRef idx="0">
+              <a:schemeClr val="accent1"/>
+            </a:effectRef>
+            <a:fontRef idx="minor">
+              <a:schemeClr val="lt1"/>
+            </a:fontRef>
+          </p:style>
+          <p:txBody>
+            <a:bodyPr rtlCol="0" anchor="ctr"/>
+            <a:lstStyle/>
+            <a:p>
+              <a:pPr algn="ctr">
+                <a:lnSpc>
+                  <a:spcPct val="138000"/>
+                </a:lnSpc>
+              </a:pPr>
+              <a:endParaRPr lang="zh-CN" altLang="en-US">
+                <a:latin typeface="思源黑体 CN Normal" panose="020B0400000000000000" pitchFamily="34" charset="-122"/>
+                <a:ea typeface="思源黑体 CN Normal" panose="020B0400000000000000" pitchFamily="34" charset="-122"/>
+                <a:sym typeface="思源黑体 CN Normal" panose="020B0400000000000000" pitchFamily="34" charset="-122"/>
+              </a:endParaRPr>
+            </a:p>
+          </p:txBody>
+        </p:sp>
+      </p:grpSp>
+      <p:pic>
+        <p:nvPicPr>
+          <p:cNvPr id="30" name="图片 29"/>
+          <p:cNvPicPr>
+            <a:picLocks noChangeAspect="1"/>
+          </p:cNvPicPr>
+          <p:nvPr/>
+        </p:nvPicPr>
+        <p:blipFill>
+          <a:blip r:embed="rId1" cstate="print">
+            <a:extLst>
+              <a:ext uri="{28A0092B-C50C-407E-A947-70E740481C1C}">
+                <a14:useLocalDpi xmlns:a14="http://schemas.microsoft.com/office/drawing/2010/main" val="0"/>
+              </a:ext>
+            </a:extLst>
+          </a:blip>
+          <a:stretch>
+            <a:fillRect/>
+          </a:stretch>
+        </p:blipFill>
+        <p:spPr>
+          <a:xfrm>
+            <a:off x="11089086" y="306729"/>
+            <a:ext cx="798118" cy="798118"/>
+          </a:xfrm>
+          <a:prstGeom prst="rect">
+            <a:avLst/>
+          </a:prstGeom>
+        </p:spPr>
+      </p:pic>
+      <p:pic>
+        <p:nvPicPr>
+          <p:cNvPr id="2" name="图片 1"/>
+          <p:cNvPicPr>
+            <a:picLocks noChangeAspect="1"/>
+          </p:cNvPicPr>
+          <p:nvPr>
+            <p:custDataLst>
+              <p:tags r:id="rId2"/>
+            </p:custDataLst>
+          </p:nvPr>
+        </p:nvPicPr>
+        <p:blipFill>
+          <a:blip r:embed="rId3"/>
+          <a:stretch>
+            <a:fillRect/>
+          </a:stretch>
+        </p:blipFill>
+        <p:spPr>
+          <a:xfrm>
+            <a:off x="1045845" y="1831340"/>
+            <a:ext cx="6243955" cy="1891030"/>
+          </a:xfrm>
+          <a:prstGeom prst="rect">
+            <a:avLst/>
+          </a:prstGeom>
+        </p:spPr>
+      </p:pic>
+      <p:sp>
+        <p:nvSpPr>
+          <p:cNvPr id="3" name="文本框 2"/>
+          <p:cNvSpPr txBox="1"/>
+          <p:nvPr/>
+        </p:nvSpPr>
+        <p:spPr>
+          <a:xfrm>
+            <a:off x="929005" y="1559560"/>
+            <a:ext cx="3524250" cy="368300"/>
+          </a:xfrm>
+          <a:prstGeom prst="rect">
+            <a:avLst/>
+          </a:prstGeom>
+          <a:noFill/>
+        </p:spPr>
+        <p:txBody>
+          <a:bodyPr wrap="square" rtlCol="0">
+            <a:spAutoFit/>
+          </a:bodyPr>
+          <a:p>
+            <a:r>
+              <a:rPr lang="zh-CN" altLang="en-US"/>
+              <a:t>模型评估：</a:t>
+            </a:r>
+            <a:endParaRPr lang="zh-CN" altLang="en-US"/>
+          </a:p>
+        </p:txBody>
+      </p:sp>
+      <p:pic>
+        <p:nvPicPr>
+          <p:cNvPr id="4" name="图片 3"/>
+          <p:cNvPicPr>
+            <a:picLocks noChangeAspect="1"/>
+          </p:cNvPicPr>
+          <p:nvPr>
+            <p:custDataLst>
+              <p:tags r:id="rId4"/>
+            </p:custDataLst>
+          </p:nvPr>
+        </p:nvPicPr>
+        <p:blipFill>
+          <a:blip r:embed="rId5"/>
+          <a:stretch>
+            <a:fillRect/>
+          </a:stretch>
+        </p:blipFill>
+        <p:spPr>
+          <a:xfrm>
+            <a:off x="1022350" y="3689985"/>
+            <a:ext cx="6235065" cy="224155"/>
+          </a:xfrm>
+          <a:prstGeom prst="rect">
+            <a:avLst/>
+          </a:prstGeom>
+        </p:spPr>
+      </p:pic>
+      <p:pic>
+        <p:nvPicPr>
+          <p:cNvPr id="5" name="图片 4"/>
+          <p:cNvPicPr>
+            <a:picLocks noChangeAspect="1"/>
+          </p:cNvPicPr>
+          <p:nvPr>
+            <p:custDataLst>
+              <p:tags r:id="rId6"/>
+            </p:custDataLst>
+          </p:nvPr>
+        </p:nvPicPr>
+        <p:blipFill>
+          <a:blip r:embed="rId7"/>
+          <a:stretch>
+            <a:fillRect/>
+          </a:stretch>
+        </p:blipFill>
+        <p:spPr>
+          <a:xfrm>
+            <a:off x="6824345" y="1831340"/>
+            <a:ext cx="5140325" cy="3441065"/>
+          </a:xfrm>
+          <a:prstGeom prst="rect">
+            <a:avLst/>
+          </a:prstGeom>
+        </p:spPr>
+      </p:pic>
+    </p:spTree>
+    <p:custDataLst>
+      <p:tags r:id="rId8"/>
+    </p:custDataLst>
+  </p:cSld>
+  <p:clrMapOvr>
+    <a:masterClrMapping/>
+  </p:clrMapOvr>
+  <mc:AlternateContent xmlns:mc="http://schemas.openxmlformats.org/markup-compatibility/2006" xmlns:p159="http://schemas.microsoft.com/office/powerpoint/2015/09/main">
+    <mc:Choice Requires="p159">
+      <p:transition xmlns:p14="http://schemas.microsoft.com/office/powerpoint/2010/main" spd="slow" p14:dur="2000" advTm="3000">
+        <p159:morph option="byObject"/>
+      </p:transition>
+    </mc:Choice>
+    <mc:Fallback>
+      <p:transition spd="slow" advTm="3000">
+        <p:fade/>
+      </p:transition>
+    </mc:Fallback>
+  </mc:AlternateContent>
+  <p:timing>
+    <p:tnLst>
+      <p:par>
+        <p:cTn id="1" dur="indefinite" restart="never" nodeType="tmRoot"/>
+      </p:par>
+    </p:tnLst>
+  </p:timing>
+</p:sld>
+</file>
+
 <file path=ppt/tags/tag1.xml><?xml version="1.0" encoding="utf-8"?>
 <p:tagLst xmlns:p="http://schemas.openxmlformats.org/presentationml/2006/main">
   <p:tag name="KSO_WM_BEAUTIFY_FLAG" val=""/>
@@ -13838,7 +12631,9 @@
 
 <file path=ppt/tags/tag10.xml><?xml version="1.0" encoding="utf-8"?>
 <p:tagLst xmlns:p="http://schemas.openxmlformats.org/presentationml/2006/main">
-  <p:tag name="KSO_WM_BEAUTIFY_FLAG" val=""/>
+  <p:tag name="KSO_WM_BEAUTIFY_FLAG" val="#wm#"/>
+  <p:tag name="KSO_WM_TEMPLATE_CATEGORY" val="custom"/>
+  <p:tag name="KSO_WM_TEMPLATE_INDEX" val="20205081"/>
 </p:tagLst>
 </file>
 
@@ -13850,9 +12645,7 @@
 
 <file path=ppt/tags/tag12.xml><?xml version="1.0" encoding="utf-8"?>
 <p:tagLst xmlns:p="http://schemas.openxmlformats.org/presentationml/2006/main">
-  <p:tag name="KSO_WM_BEAUTIFY_FLAG" val="#wm#"/>
-  <p:tag name="KSO_WM_TEMPLATE_CATEGORY" val="custom"/>
-  <p:tag name="KSO_WM_TEMPLATE_INDEX" val="20205081"/>
+  <p:tag name="KSO_WM_BEAUTIFY_FLAG" val=""/>
 </p:tagLst>
 </file>
 
@@ -13870,7 +12663,9 @@
 
 <file path=ppt/tags/tag15.xml><?xml version="1.0" encoding="utf-8"?>
 <p:tagLst xmlns:p="http://schemas.openxmlformats.org/presentationml/2006/main">
-  <p:tag name="KSO_WM_BEAUTIFY_FLAG" val=""/>
+  <p:tag name="KSO_WM_BEAUTIFY_FLAG" val="#wm#"/>
+  <p:tag name="KSO_WM_TEMPLATE_CATEGORY" val="custom"/>
+  <p:tag name="KSO_WM_TEMPLATE_INDEX" val="20205081"/>
 </p:tagLst>
 </file>
 
@@ -13882,9 +12677,7 @@
 
 <file path=ppt/tags/tag17.xml><?xml version="1.0" encoding="utf-8"?>
 <p:tagLst xmlns:p="http://schemas.openxmlformats.org/presentationml/2006/main">
-  <p:tag name="KSO_WM_BEAUTIFY_FLAG" val="#wm#"/>
-  <p:tag name="KSO_WM_TEMPLATE_CATEGORY" val="custom"/>
-  <p:tag name="KSO_WM_TEMPLATE_INDEX" val="20205081"/>
+  <p:tag name="KSO_WM_BEAUTIFY_FLAG" val=""/>
 </p:tagLst>
 </file>
 
@@ -13902,9 +12695,7 @@
 
 <file path=ppt/tags/tag2.xml><?xml version="1.0" encoding="utf-8"?>
 <p:tagLst xmlns:p="http://schemas.openxmlformats.org/presentationml/2006/main">
-  <p:tag name="KSO_WM_BEAUTIFY_FLAG" val="#wm#"/>
-  <p:tag name="KSO_WM_TEMPLATE_CATEGORY" val="custom"/>
-  <p:tag name="KSO_WM_TEMPLATE_INDEX" val="20205081"/>
+  <p:tag name="KSO_WM_BEAUTIFY_FLAG" val=""/>
 </p:tagLst>
 </file>
 
@@ -13928,7 +12719,9 @@
 
 <file path=ppt/tags/tag23.xml><?xml version="1.0" encoding="utf-8"?>
 <p:tagLst xmlns:p="http://schemas.openxmlformats.org/presentationml/2006/main">
-  <p:tag name="KSO_WM_BEAUTIFY_FLAG" val=""/>
+  <p:tag name="KSO_WM_BEAUTIFY_FLAG" val="#wm#"/>
+  <p:tag name="KSO_WM_TEMPLATE_CATEGORY" val="custom"/>
+  <p:tag name="KSO_WM_TEMPLATE_INDEX" val="20205081"/>
 </p:tagLst>
 </file>
 
@@ -13940,9 +12733,7 @@
 
 <file path=ppt/tags/tag25.xml><?xml version="1.0" encoding="utf-8"?>
 <p:tagLst xmlns:p="http://schemas.openxmlformats.org/presentationml/2006/main">
-  <p:tag name="KSO_WM_BEAUTIFY_FLAG" val="#wm#"/>
-  <p:tag name="KSO_WM_TEMPLATE_CATEGORY" val="custom"/>
-  <p:tag name="KSO_WM_TEMPLATE_INDEX" val="20205081"/>
+  <p:tag name="KSO_WM_BEAUTIFY_FLAG" val=""/>
 </p:tagLst>
 </file>
 
@@ -13978,7 +12769,9 @@
 
 <file path=ppt/tags/tag30.xml><?xml version="1.0" encoding="utf-8"?>
 <p:tagLst xmlns:p="http://schemas.openxmlformats.org/presentationml/2006/main">
-  <p:tag name="KSO_WM_BEAUTIFY_FLAG" val=""/>
+  <p:tag name="KSO_WM_BEAUTIFY_FLAG" val="#wm#"/>
+  <p:tag name="KSO_WM_TEMPLATE_CATEGORY" val="custom"/>
+  <p:tag name="KSO_WM_TEMPLATE_INDEX" val="20205081"/>
 </p:tagLst>
 </file>
 
@@ -13990,9 +12783,7 @@
 
 <file path=ppt/tags/tag32.xml><?xml version="1.0" encoding="utf-8"?>
 <p:tagLst xmlns:p="http://schemas.openxmlformats.org/presentationml/2006/main">
-  <p:tag name="KSO_WM_BEAUTIFY_FLAG" val="#wm#"/>
-  <p:tag name="KSO_WM_TEMPLATE_CATEGORY" val="custom"/>
-  <p:tag name="KSO_WM_TEMPLATE_INDEX" val="20205081"/>
+  <p:tag name="KSO_WM_BEAUTIFY_FLAG" val=""/>
 </p:tagLst>
 </file>
 
@@ -14004,7 +12795,9 @@
 
 <file path=ppt/tags/tag34.xml><?xml version="1.0" encoding="utf-8"?>
 <p:tagLst xmlns:p="http://schemas.openxmlformats.org/presentationml/2006/main">
-  <p:tag name="KSO_WM_BEAUTIFY_FLAG" val=""/>
+  <p:tag name="KSO_WM_BEAUTIFY_FLAG" val="#wm#"/>
+  <p:tag name="KSO_WM_TEMPLATE_CATEGORY" val="custom"/>
+  <p:tag name="KSO_WM_TEMPLATE_INDEX" val="20205081"/>
 </p:tagLst>
 </file>
 
@@ -14024,11 +12817,25 @@
 
 <file path=ppt/tags/tag37.xml><?xml version="1.0" encoding="utf-8"?>
 <p:tagLst xmlns:p="http://schemas.openxmlformats.org/presentationml/2006/main">
+  <p:tag name="KSO_WM_BEAUTIFY_FLAG" val="#wm#"/>
+  <p:tag name="KSO_WM_TEMPLATE_CATEGORY" val="custom"/>
+  <p:tag name="KSO_WM_TEMPLATE_INDEX" val="20205081"/>
+</p:tagLst>
+</file>
+
+<file path=ppt/tags/tag38.xml><?xml version="1.0" encoding="utf-8"?>
+<p:tagLst xmlns:p="http://schemas.openxmlformats.org/presentationml/2006/main">
   <p:tag name="KSO_WM_BEAUTIFY_FLAG" val=""/>
 </p:tagLst>
 </file>
 
-<file path=ppt/tags/tag38.xml><?xml version="1.0" encoding="utf-8"?>
+<file path=ppt/tags/tag39.xml><?xml version="1.0" encoding="utf-8"?>
+<p:tagLst xmlns:p="http://schemas.openxmlformats.org/presentationml/2006/main">
+  <p:tag name="KSO_WM_BEAUTIFY_FLAG" val=""/>
+</p:tagLst>
+</file>
+
+<file path=ppt/tags/tag4.xml><?xml version="1.0" encoding="utf-8"?>
 <p:tagLst xmlns:p="http://schemas.openxmlformats.org/presentationml/2006/main">
   <p:tag name="KSO_WM_BEAUTIFY_FLAG" val="#wm#"/>
   <p:tag name="KSO_WM_TEMPLATE_CATEGORY" val="custom"/>
@@ -14036,33 +12843,7 @@
 </p:tagLst>
 </file>
 
-<file path=ppt/tags/tag39.xml><?xml version="1.0" encoding="utf-8"?>
-<p:tagLst xmlns:p="http://schemas.openxmlformats.org/presentationml/2006/main">
-  <p:tag name="KSO_WM_BEAUTIFY_FLAG" val="#wm#"/>
-  <p:tag name="KSO_WM_TEMPLATE_CATEGORY" val="custom"/>
-  <p:tag name="KSO_WM_TEMPLATE_INDEX" val="20205081"/>
-</p:tagLst>
-</file>
-
-<file path=ppt/tags/tag4.xml><?xml version="1.0" encoding="utf-8"?>
-<p:tagLst xmlns:p="http://schemas.openxmlformats.org/presentationml/2006/main">
-  <p:tag name="KSO_WM_BEAUTIFY_FLAG" val=""/>
-</p:tagLst>
-</file>
-
 <file path=ppt/tags/tag40.xml><?xml version="1.0" encoding="utf-8"?>
-<p:tagLst xmlns:p="http://schemas.openxmlformats.org/presentationml/2006/main">
-  <p:tag name="KSO_WM_BEAUTIFY_FLAG" val=""/>
-</p:tagLst>
-</file>
-
-<file path=ppt/tags/tag41.xml><?xml version="1.0" encoding="utf-8"?>
-<p:tagLst xmlns:p="http://schemas.openxmlformats.org/presentationml/2006/main">
-  <p:tag name="KSO_WM_BEAUTIFY_FLAG" val=""/>
-</p:tagLst>
-</file>
-
-<file path=ppt/tags/tag42.xml><?xml version="1.0" encoding="utf-8"?>
 <p:tagLst xmlns:p="http://schemas.openxmlformats.org/presentationml/2006/main">
   <p:tag name="KSO_WPP_MARK_KEY" val="be01addc-e425-460c-ac9b-d601267bbec1"/>
   <p:tag name="COMMONDATA" val="eyJoZGlkIjoiNGU1NDE0OTEzMGZlNGI2OTgwYTZjMTc0ODUxODcxYmIifQ=="/>
@@ -14077,9 +12858,7 @@
 
 <file path=ppt/tags/tag6.xml><?xml version="1.0" encoding="utf-8"?>
 <p:tagLst xmlns:p="http://schemas.openxmlformats.org/presentationml/2006/main">
-  <p:tag name="KSO_WM_BEAUTIFY_FLAG" val="#wm#"/>
-  <p:tag name="KSO_WM_TEMPLATE_CATEGORY" val="custom"/>
-  <p:tag name="KSO_WM_TEMPLATE_INDEX" val="20205081"/>
+  <p:tag name="KSO_WM_BEAUTIFY_FLAG" val=""/>
 </p:tagLst>
 </file>
 
